--- a/slide/aj.warodom/powerpoint/08-Web-Infrastructure.pptx
+++ b/slide/aj.warodom/powerpoint/08-Web-Infrastructure.pptx
@@ -2,7 +2,7 @@
 <file path=ppt/presentation.xml><?xml version="1.0" encoding="utf-8"?>
 <p:presentation xmlns:a="http://schemas.openxmlformats.org/drawingml/2006/main" xmlns:r="http://schemas.openxmlformats.org/officeDocument/2006/relationships" xmlns:p="http://schemas.openxmlformats.org/presentationml/2006/main" autoCompressPictures="0">
   <p:sldMasterIdLst>
-    <p:sldMasterId id="2147483761" r:id="rId1"/>
+    <p:sldMasterId id="2147483780" r:id="rId1"/>
   </p:sldMasterIdLst>
   <p:notesMasterIdLst>
     <p:notesMasterId r:id="rId24"/>
@@ -31,8 +31,8 @@
     <p:sldId id="276" r:id="rId22"/>
     <p:sldId id="277" r:id="rId23"/>
   </p:sldIdLst>
-  <p:sldSz cx="9144000" cy="6858000" type="screen4x3"/>
-  <p:notesSz cx="6858000" cy="9144000"/>
+  <p:sldSz cx="12192000" cy="6858000"/>
+  <p:notesSz cx="6797675" cy="9926638"/>
   <p:defaultTextStyle>
     <a:defPPr>
       <a:defRPr lang="en-US"/>
@@ -171,7 +171,7 @@
         <p:spPr>
           <a:xfrm>
             <a:off x="0" y="0"/>
-            <a:ext cx="2971800" cy="458788"/>
+            <a:ext cx="2945659" cy="498056"/>
           </a:xfrm>
           <a:prstGeom prst="rect">
             <a:avLst/>
@@ -201,8 +201,8 @@
         </p:nvSpPr>
         <p:spPr>
           <a:xfrm>
-            <a:off x="3884613" y="0"/>
-            <a:ext cx="2971800" cy="458788"/>
+            <a:off x="3850443" y="0"/>
+            <a:ext cx="2945659" cy="498056"/>
           </a:xfrm>
           <a:prstGeom prst="rect">
             <a:avLst/>
@@ -218,7 +218,7 @@
           <a:p>
             <a:fld id="{764D39C1-A66A-40C7-BCC0-0B3B861FC29D}" type="datetimeFigureOut">
               <a:rPr lang="en-US" smtClean="0"/>
-              <a:t>3/21/2019</a:t>
+              <a:t>3/25/2019</a:t>
             </a:fld>
             <a:endParaRPr lang="en-US"/>
           </a:p>
@@ -236,8 +236,8 @@
         </p:nvSpPr>
         <p:spPr>
           <a:xfrm>
-            <a:off x="1371600" y="1143000"/>
-            <a:ext cx="4114800" cy="3086100"/>
+            <a:off x="422275" y="1241425"/>
+            <a:ext cx="5953125" cy="3349625"/>
           </a:xfrm>
           <a:prstGeom prst="rect">
             <a:avLst/>
@@ -269,8 +269,8 @@
         </p:nvSpPr>
         <p:spPr>
           <a:xfrm>
-            <a:off x="685800" y="4400550"/>
-            <a:ext cx="5486400" cy="3600450"/>
+            <a:off x="679768" y="4777194"/>
+            <a:ext cx="5438140" cy="3908614"/>
           </a:xfrm>
           <a:prstGeom prst="rect">
             <a:avLst/>
@@ -282,38 +282,37 @@
           <a:p>
             <a:pPr lvl="0"/>
             <a:r>
-              <a:rPr lang="en-US" smtClean="0"/>
+              <a:rPr lang="en-US"/>
               <a:t>Click to edit Master text styles</a:t>
             </a:r>
           </a:p>
           <a:p>
             <a:pPr lvl="1"/>
             <a:r>
-              <a:rPr lang="en-US" smtClean="0"/>
+              <a:rPr lang="en-US"/>
               <a:t>Second level</a:t>
             </a:r>
           </a:p>
           <a:p>
             <a:pPr lvl="2"/>
             <a:r>
-              <a:rPr lang="en-US" smtClean="0"/>
+              <a:rPr lang="en-US"/>
               <a:t>Third level</a:t>
             </a:r>
           </a:p>
           <a:p>
             <a:pPr lvl="3"/>
             <a:r>
-              <a:rPr lang="en-US" smtClean="0"/>
+              <a:rPr lang="en-US"/>
               <a:t>Fourth level</a:t>
             </a:r>
           </a:p>
           <a:p>
             <a:pPr lvl="4"/>
             <a:r>
-              <a:rPr lang="en-US" smtClean="0"/>
+              <a:rPr lang="en-US"/>
               <a:t>Fifth level</a:t>
             </a:r>
-            <a:endParaRPr lang="en-US"/>
           </a:p>
         </p:txBody>
       </p:sp>
@@ -329,8 +328,8 @@
         </p:nvSpPr>
         <p:spPr>
           <a:xfrm>
-            <a:off x="0" y="8685213"/>
-            <a:ext cx="2971800" cy="458787"/>
+            <a:off x="0" y="9428584"/>
+            <a:ext cx="2945659" cy="498055"/>
           </a:xfrm>
           <a:prstGeom prst="rect">
             <a:avLst/>
@@ -360,8 +359,8 @@
         </p:nvSpPr>
         <p:spPr>
           <a:xfrm>
-            <a:off x="3884613" y="8685213"/>
-            <a:ext cx="2971800" cy="458787"/>
+            <a:off x="3850443" y="9428584"/>
+            <a:ext cx="2945659" cy="498055"/>
           </a:xfrm>
           <a:prstGeom prst="rect">
             <a:avLst/>
@@ -513,7 +512,12 @@
             <p:ph type="sldImg"/>
           </p:nvPr>
         </p:nvSpPr>
-        <p:spPr/>
+        <p:spPr>
+          <a:xfrm>
+            <a:off x="422275" y="1241425"/>
+            <a:ext cx="5953125" cy="3349625"/>
+          </a:xfrm>
+        </p:spPr>
       </p:sp>
       <p:sp>
         <p:nvSpPr>
@@ -599,8 +603,8 @@
         </p:nvSpPr>
         <p:spPr>
           <a:xfrm>
-            <a:off x="1143000" y="685800"/>
-            <a:ext cx="4572000" cy="3429000"/>
+            <a:off x="90488" y="744538"/>
+            <a:ext cx="6616700" cy="3722687"/>
           </a:xfrm>
           <a:custGeom>
             <a:avLst/>
@@ -640,8 +644,8 @@
         </p:nvSpPr>
         <p:spPr>
           <a:xfrm>
-            <a:off x="685800" y="4343400"/>
-            <a:ext cx="5486400" cy="4114800"/>
+            <a:off x="679768" y="4715153"/>
+            <a:ext cx="5438140" cy="4466987"/>
           </a:xfrm>
           <a:prstGeom prst="rect">
             <a:avLst/>
@@ -708,8 +712,8 @@
         </p:nvSpPr>
         <p:spPr>
           <a:xfrm>
-            <a:off x="1143000" y="685800"/>
-            <a:ext cx="4572000" cy="3429000"/>
+            <a:off x="90488" y="744538"/>
+            <a:ext cx="6616700" cy="3722687"/>
           </a:xfrm>
           <a:custGeom>
             <a:avLst/>
@@ -749,8 +753,8 @@
         </p:nvSpPr>
         <p:spPr>
           <a:xfrm>
-            <a:off x="685800" y="4343400"/>
-            <a:ext cx="5486400" cy="4114800"/>
+            <a:off x="679768" y="4715153"/>
+            <a:ext cx="5438140" cy="4466987"/>
           </a:xfrm>
           <a:prstGeom prst="rect">
             <a:avLst/>
@@ -817,8 +821,8 @@
         </p:nvSpPr>
         <p:spPr>
           <a:xfrm>
-            <a:off x="1143000" y="685800"/>
-            <a:ext cx="4572000" cy="3429000"/>
+            <a:off x="90488" y="744538"/>
+            <a:ext cx="6616700" cy="3722687"/>
           </a:xfrm>
           <a:custGeom>
             <a:avLst/>
@@ -858,8 +862,8 @@
         </p:nvSpPr>
         <p:spPr>
           <a:xfrm>
-            <a:off x="685800" y="4343400"/>
-            <a:ext cx="5486400" cy="4114800"/>
+            <a:off x="679768" y="4715153"/>
+            <a:ext cx="5438140" cy="4466987"/>
           </a:xfrm>
           <a:prstGeom prst="rect">
             <a:avLst/>
@@ -926,8 +930,8 @@
         </p:nvSpPr>
         <p:spPr>
           <a:xfrm>
-            <a:off x="1143000" y="685800"/>
-            <a:ext cx="4572000" cy="3429000"/>
+            <a:off x="90488" y="744538"/>
+            <a:ext cx="6616700" cy="3722687"/>
           </a:xfrm>
           <a:custGeom>
             <a:avLst/>
@@ -967,8 +971,8 @@
         </p:nvSpPr>
         <p:spPr>
           <a:xfrm>
-            <a:off x="685800" y="4343400"/>
-            <a:ext cx="5486400" cy="4114800"/>
+            <a:off x="679768" y="4715153"/>
+            <a:ext cx="5438140" cy="4466987"/>
           </a:xfrm>
           <a:prstGeom prst="rect">
             <a:avLst/>
@@ -1035,8 +1039,8 @@
         </p:nvSpPr>
         <p:spPr>
           <a:xfrm>
-            <a:off x="1143000" y="685800"/>
-            <a:ext cx="4572000" cy="3429000"/>
+            <a:off x="90488" y="744538"/>
+            <a:ext cx="6616700" cy="3722687"/>
           </a:xfrm>
           <a:custGeom>
             <a:avLst/>
@@ -1076,8 +1080,8 @@
         </p:nvSpPr>
         <p:spPr>
           <a:xfrm>
-            <a:off x="685800" y="4343400"/>
-            <a:ext cx="5486400" cy="4114800"/>
+            <a:off x="679768" y="4715153"/>
+            <a:ext cx="5438140" cy="4466987"/>
           </a:xfrm>
           <a:prstGeom prst="rect">
             <a:avLst/>
@@ -1144,8 +1148,8 @@
         </p:nvSpPr>
         <p:spPr>
           <a:xfrm>
-            <a:off x="1143000" y="685800"/>
-            <a:ext cx="4572000" cy="3429000"/>
+            <a:off x="90488" y="744538"/>
+            <a:ext cx="6616700" cy="3722687"/>
           </a:xfrm>
           <a:custGeom>
             <a:avLst/>
@@ -1185,8 +1189,8 @@
         </p:nvSpPr>
         <p:spPr>
           <a:xfrm>
-            <a:off x="685800" y="4343400"/>
-            <a:ext cx="5486400" cy="4114800"/>
+            <a:off x="679768" y="4715153"/>
+            <a:ext cx="5438140" cy="4466987"/>
           </a:xfrm>
           <a:prstGeom prst="rect">
             <a:avLst/>
@@ -1253,8 +1257,8 @@
         </p:nvSpPr>
         <p:spPr>
           <a:xfrm>
-            <a:off x="1143000" y="685800"/>
-            <a:ext cx="4572000" cy="3429000"/>
+            <a:off x="90488" y="744538"/>
+            <a:ext cx="6616700" cy="3722687"/>
           </a:xfrm>
           <a:custGeom>
             <a:avLst/>
@@ -1294,8 +1298,8 @@
         </p:nvSpPr>
         <p:spPr>
           <a:xfrm>
-            <a:off x="685800" y="4343400"/>
-            <a:ext cx="5486400" cy="4114800"/>
+            <a:off x="679768" y="4715153"/>
+            <a:ext cx="5438140" cy="4466987"/>
           </a:xfrm>
           <a:prstGeom prst="rect">
             <a:avLst/>
@@ -1362,8 +1366,8 @@
         </p:nvSpPr>
         <p:spPr>
           <a:xfrm>
-            <a:off x="1143000" y="685800"/>
-            <a:ext cx="4572000" cy="3429000"/>
+            <a:off x="90488" y="744538"/>
+            <a:ext cx="6616700" cy="3722687"/>
           </a:xfrm>
           <a:custGeom>
             <a:avLst/>
@@ -1403,8 +1407,8 @@
         </p:nvSpPr>
         <p:spPr>
           <a:xfrm>
-            <a:off x="685800" y="4343400"/>
-            <a:ext cx="5486400" cy="4114800"/>
+            <a:off x="679768" y="4715153"/>
+            <a:ext cx="5438140" cy="4466987"/>
           </a:xfrm>
           <a:prstGeom prst="rect">
             <a:avLst/>
@@ -1471,8 +1475,8 @@
         </p:nvSpPr>
         <p:spPr>
           <a:xfrm>
-            <a:off x="1143000" y="685800"/>
-            <a:ext cx="4572000" cy="3429000"/>
+            <a:off x="90488" y="744538"/>
+            <a:ext cx="6616700" cy="3722687"/>
           </a:xfrm>
           <a:custGeom>
             <a:avLst/>
@@ -1512,8 +1516,8 @@
         </p:nvSpPr>
         <p:spPr>
           <a:xfrm>
-            <a:off x="685800" y="4343400"/>
-            <a:ext cx="5486400" cy="4114800"/>
+            <a:off x="679768" y="4715153"/>
+            <a:ext cx="5438140" cy="4466987"/>
           </a:xfrm>
           <a:prstGeom prst="rect">
             <a:avLst/>
@@ -1580,8 +1584,8 @@
         </p:nvSpPr>
         <p:spPr>
           <a:xfrm>
-            <a:off x="1143000" y="685800"/>
-            <a:ext cx="4572000" cy="3429000"/>
+            <a:off x="90488" y="744538"/>
+            <a:ext cx="6616700" cy="3722687"/>
           </a:xfrm>
           <a:custGeom>
             <a:avLst/>
@@ -1621,8 +1625,8 @@
         </p:nvSpPr>
         <p:spPr>
           <a:xfrm>
-            <a:off x="685800" y="4343400"/>
-            <a:ext cx="5486400" cy="4114800"/>
+            <a:off x="679768" y="4715153"/>
+            <a:ext cx="5438140" cy="4466987"/>
           </a:xfrm>
           <a:prstGeom prst="rect">
             <a:avLst/>
@@ -1689,8 +1693,8 @@
         </p:nvSpPr>
         <p:spPr>
           <a:xfrm>
-            <a:off x="1143000" y="685800"/>
-            <a:ext cx="4572000" cy="3429000"/>
+            <a:off x="90488" y="744538"/>
+            <a:ext cx="6616700" cy="3722687"/>
           </a:xfrm>
           <a:custGeom>
             <a:avLst/>
@@ -1730,8 +1734,8 @@
         </p:nvSpPr>
         <p:spPr>
           <a:xfrm>
-            <a:off x="685800" y="4343400"/>
-            <a:ext cx="5486400" cy="4114800"/>
+            <a:off x="679768" y="4715153"/>
+            <a:ext cx="5438140" cy="4466987"/>
           </a:xfrm>
           <a:prstGeom prst="rect">
             <a:avLst/>
@@ -1798,8 +1802,8 @@
         </p:nvSpPr>
         <p:spPr>
           <a:xfrm>
-            <a:off x="1143000" y="685800"/>
-            <a:ext cx="4572000" cy="3429000"/>
+            <a:off x="90488" y="744538"/>
+            <a:ext cx="6616700" cy="3722687"/>
           </a:xfrm>
           <a:custGeom>
             <a:avLst/>
@@ -1839,8 +1843,8 @@
         </p:nvSpPr>
         <p:spPr>
           <a:xfrm>
-            <a:off x="685800" y="4343400"/>
-            <a:ext cx="5486400" cy="4114800"/>
+            <a:off x="679768" y="4715153"/>
+            <a:ext cx="5438140" cy="4466987"/>
           </a:xfrm>
           <a:prstGeom prst="rect">
             <a:avLst/>
@@ -1907,8 +1911,8 @@
         </p:nvSpPr>
         <p:spPr>
           <a:xfrm>
-            <a:off x="1143000" y="685800"/>
-            <a:ext cx="4572000" cy="3429000"/>
+            <a:off x="90488" y="744538"/>
+            <a:ext cx="6616700" cy="3722687"/>
           </a:xfrm>
           <a:custGeom>
             <a:avLst/>
@@ -1948,8 +1952,8 @@
         </p:nvSpPr>
         <p:spPr>
           <a:xfrm>
-            <a:off x="685800" y="4343400"/>
-            <a:ext cx="5486400" cy="4114800"/>
+            <a:off x="679768" y="4715153"/>
+            <a:ext cx="5438140" cy="4466987"/>
           </a:xfrm>
           <a:prstGeom prst="rect">
             <a:avLst/>
@@ -2016,8 +2020,8 @@
         </p:nvSpPr>
         <p:spPr>
           <a:xfrm>
-            <a:off x="1143000" y="685800"/>
-            <a:ext cx="4572000" cy="3429000"/>
+            <a:off x="90488" y="744538"/>
+            <a:ext cx="6616700" cy="3722687"/>
           </a:xfrm>
           <a:custGeom>
             <a:avLst/>
@@ -2057,8 +2061,8 @@
         </p:nvSpPr>
         <p:spPr>
           <a:xfrm>
-            <a:off x="685800" y="4343400"/>
-            <a:ext cx="5486400" cy="4114800"/>
+            <a:off x="679768" y="4715153"/>
+            <a:ext cx="5438140" cy="4466987"/>
           </a:xfrm>
           <a:prstGeom prst="rect">
             <a:avLst/>
@@ -2125,8 +2129,8 @@
         </p:nvSpPr>
         <p:spPr>
           <a:xfrm>
-            <a:off x="1143000" y="685800"/>
-            <a:ext cx="4572000" cy="3429000"/>
+            <a:off x="90488" y="744538"/>
+            <a:ext cx="6616700" cy="3722687"/>
           </a:xfrm>
           <a:custGeom>
             <a:avLst/>
@@ -2166,8 +2170,8 @@
         </p:nvSpPr>
         <p:spPr>
           <a:xfrm>
-            <a:off x="685800" y="4343400"/>
-            <a:ext cx="5486400" cy="4114800"/>
+            <a:off x="679768" y="4715153"/>
+            <a:ext cx="5438140" cy="4466987"/>
           </a:xfrm>
           <a:prstGeom prst="rect">
             <a:avLst/>
@@ -2234,8 +2238,8 @@
         </p:nvSpPr>
         <p:spPr>
           <a:xfrm>
-            <a:off x="1143000" y="685800"/>
-            <a:ext cx="4572000" cy="3429000"/>
+            <a:off x="90488" y="744538"/>
+            <a:ext cx="6616700" cy="3722687"/>
           </a:xfrm>
           <a:custGeom>
             <a:avLst/>
@@ -2275,8 +2279,8 @@
         </p:nvSpPr>
         <p:spPr>
           <a:xfrm>
-            <a:off x="685800" y="4343400"/>
-            <a:ext cx="5486400" cy="4114800"/>
+            <a:off x="679768" y="4715153"/>
+            <a:ext cx="5438140" cy="4466987"/>
           </a:xfrm>
           <a:prstGeom prst="rect">
             <a:avLst/>
@@ -2343,8 +2347,8 @@
         </p:nvSpPr>
         <p:spPr>
           <a:xfrm>
-            <a:off x="1143000" y="685800"/>
-            <a:ext cx="4572000" cy="3429000"/>
+            <a:off x="90488" y="744538"/>
+            <a:ext cx="6616700" cy="3722687"/>
           </a:xfrm>
           <a:custGeom>
             <a:avLst/>
@@ -2384,8 +2388,8 @@
         </p:nvSpPr>
         <p:spPr>
           <a:xfrm>
-            <a:off x="685800" y="4343400"/>
-            <a:ext cx="5486400" cy="4114800"/>
+            <a:off x="679768" y="4715153"/>
+            <a:ext cx="5438140" cy="4466987"/>
           </a:xfrm>
           <a:prstGeom prst="rect">
             <a:avLst/>
@@ -2452,8 +2456,8 @@
         </p:nvSpPr>
         <p:spPr>
           <a:xfrm>
-            <a:off x="1143000" y="685800"/>
-            <a:ext cx="4572000" cy="3429000"/>
+            <a:off x="90488" y="744538"/>
+            <a:ext cx="6616700" cy="3722687"/>
           </a:xfrm>
           <a:custGeom>
             <a:avLst/>
@@ -2493,8 +2497,8 @@
         </p:nvSpPr>
         <p:spPr>
           <a:xfrm>
-            <a:off x="685800" y="4343400"/>
-            <a:ext cx="5486400" cy="4114800"/>
+            <a:off x="679768" y="4715153"/>
+            <a:ext cx="5438140" cy="4466987"/>
           </a:xfrm>
           <a:prstGeom prst="rect">
             <a:avLst/>
@@ -2561,8 +2565,8 @@
         </p:nvSpPr>
         <p:spPr>
           <a:xfrm>
-            <a:off x="1143000" y="685800"/>
-            <a:ext cx="4572000" cy="3429000"/>
+            <a:off x="90488" y="744538"/>
+            <a:ext cx="6616700" cy="3722687"/>
           </a:xfrm>
           <a:custGeom>
             <a:avLst/>
@@ -2602,8 +2606,8 @@
         </p:nvSpPr>
         <p:spPr>
           <a:xfrm>
-            <a:off x="685800" y="4343400"/>
-            <a:ext cx="5486400" cy="4114800"/>
+            <a:off x="679768" y="4715153"/>
+            <a:ext cx="5438140" cy="4466987"/>
           </a:xfrm>
           <a:prstGeom prst="rect">
             <a:avLst/>
@@ -2670,8 +2674,8 @@
         </p:nvSpPr>
         <p:spPr>
           <a:xfrm>
-            <a:off x="1143000" y="685800"/>
-            <a:ext cx="4572000" cy="3429000"/>
+            <a:off x="90488" y="744538"/>
+            <a:ext cx="6616700" cy="3722687"/>
           </a:xfrm>
           <a:custGeom>
             <a:avLst/>
@@ -2711,8 +2715,8 @@
         </p:nvSpPr>
         <p:spPr>
           <a:xfrm>
-            <a:off x="685800" y="4343400"/>
-            <a:ext cx="5486400" cy="4114800"/>
+            <a:off x="679768" y="4715153"/>
+            <a:ext cx="5438140" cy="4466987"/>
           </a:xfrm>
           <a:prstGeom prst="rect">
             <a:avLst/>
@@ -2779,8 +2783,8 @@
         </p:nvSpPr>
         <p:spPr>
           <a:xfrm>
-            <a:off x="1143000" y="685800"/>
-            <a:ext cx="4572000" cy="3429000"/>
+            <a:off x="90488" y="744538"/>
+            <a:ext cx="6616700" cy="3722687"/>
           </a:xfrm>
           <a:custGeom>
             <a:avLst/>
@@ -2820,8 +2824,8 @@
         </p:nvSpPr>
         <p:spPr>
           <a:xfrm>
-            <a:off x="685800" y="4343400"/>
-            <a:ext cx="5486400" cy="4114800"/>
+            <a:off x="679768" y="4715153"/>
+            <a:ext cx="5438140" cy="4466987"/>
           </a:xfrm>
           <a:prstGeom prst="rect">
             <a:avLst/>
@@ -2861,7 +2865,7 @@
 
 <file path=ppt/slideLayouts/slideLayout1.xml><?xml version="1.0" encoding="utf-8"?>
 <p:sldLayout xmlns:a="http://schemas.openxmlformats.org/drawingml/2006/main" xmlns:r="http://schemas.openxmlformats.org/officeDocument/2006/relationships" xmlns:p="http://schemas.openxmlformats.org/presentationml/2006/main" type="title" preserve="1">
-  <p:cSld name="Title Slide">
+  <p:cSld name="สไลด์ชื่อเรื่อง">
     <p:spTree>
       <p:nvGrpSpPr>
         <p:cNvPr id="1" name=""/>
@@ -2888,8 +2892,8 @@
         </p:nvSpPr>
         <p:spPr>
           <a:xfrm>
-            <a:off x="866442" y="1447801"/>
-            <a:ext cx="6620968" cy="3329581"/>
+            <a:off x="1154955" y="1447800"/>
+            <a:ext cx="8825658" cy="3329581"/>
           </a:xfrm>
         </p:spPr>
         <p:txBody>
@@ -2901,8 +2905,8 @@
           </a:lstStyle>
           <a:p>
             <a:r>
-              <a:rPr lang="en-US" smtClean="0"/>
-              <a:t>Click to edit Master title style</a:t>
+              <a:rPr lang="th-TH"/>
+              <a:t>คลิกเพื่อแก้ไขสไตล์ชื่อเรื่องต้นแบบ</a:t>
             </a:r>
             <a:endParaRPr lang="en-US" dirty="0"/>
           </a:p>
@@ -2920,8 +2924,8 @@
         </p:nvSpPr>
         <p:spPr>
           <a:xfrm>
-            <a:off x="866442" y="4777380"/>
-            <a:ext cx="6620968" cy="861420"/>
+            <a:off x="1154955" y="4777380"/>
+            <a:ext cx="8825658" cy="861420"/>
           </a:xfrm>
         </p:spPr>
         <p:txBody>
@@ -3018,31 +3022,31 @@
           </a:lstStyle>
           <a:p>
             <a:r>
+              <a:rPr lang="th-TH"/>
+              <a:t>คลิกเพื่อแก้ไขสไตล์ชื่อเรื่องรองต้นแบบ</a:t>
+            </a:r>
+            <a:endParaRPr lang="en-US" dirty="0"/>
+          </a:p>
+        </p:txBody>
+      </p:sp>
+      <p:sp>
+        <p:nvSpPr>
+          <p:cNvPr id="4" name="Date Placeholder 3"/>
+          <p:cNvSpPr>
+            <a:spLocks noGrp="1"/>
+          </p:cNvSpPr>
+          <p:nvPr>
+            <p:ph type="dt" sz="half" idx="10"/>
+          </p:nvPr>
+        </p:nvSpPr>
+        <p:spPr/>
+        <p:txBody>
+          <a:bodyPr/>
+          <a:lstStyle/>
+          <a:p>
+            <a:fld id="{B6D7C078-ECBE-42C1-8A02-606F7E73FAE4}" type="datetime1">
               <a:rPr lang="en-US" smtClean="0"/>
-              <a:t>Click to edit Master subtitle style</a:t>
-            </a:r>
-            <a:endParaRPr lang="en-US" dirty="0"/>
-          </a:p>
-        </p:txBody>
-      </p:sp>
-      <p:sp>
-        <p:nvSpPr>
-          <p:cNvPr id="4" name="Date Placeholder 3"/>
-          <p:cNvSpPr>
-            <a:spLocks noGrp="1"/>
-          </p:cNvSpPr>
-          <p:nvPr>
-            <p:ph type="dt" sz="half" idx="10"/>
-          </p:nvPr>
-        </p:nvSpPr>
-        <p:spPr/>
-        <p:txBody>
-          <a:bodyPr/>
-          <a:lstStyle/>
-          <a:p>
-            <a:fld id="{EF4C2833-1F02-43A3-89E1-81B355A6D657}" type="datetime1">
-              <a:rPr lang="en-US" smtClean="0"/>
-              <a:t>3/21/2019</a:t>
+              <a:t>3/25/2019</a:t>
             </a:fld>
             <a:endParaRPr lang="en-US" dirty="0"/>
           </a:p>
@@ -3093,19 +3097,20 @@
     </p:spTree>
     <p:extLst>
       <p:ext uri="{BB962C8B-B14F-4D97-AF65-F5344CB8AC3E}">
-        <p14:creationId xmlns:p14="http://schemas.microsoft.com/office/powerpoint/2010/main" val="747954530"/>
+        <p14:creationId xmlns:p14="http://schemas.microsoft.com/office/powerpoint/2010/main" val="1475473767"/>
       </p:ext>
     </p:extLst>
   </p:cSld>
   <p:clrMapOvr>
     <a:masterClrMapping/>
   </p:clrMapOvr>
+  <p:hf hdr="0" ftr="0" dt="0"/>
 </p:sldLayout>
 </file>
 
 <file path=ppt/slideLayouts/slideLayout10.xml><?xml version="1.0" encoding="utf-8"?>
 <p:sldLayout xmlns:a="http://schemas.openxmlformats.org/drawingml/2006/main" xmlns:r="http://schemas.openxmlformats.org/officeDocument/2006/relationships" xmlns:p="http://schemas.openxmlformats.org/presentationml/2006/main" preserve="1">
-  <p:cSld name="Panoramic Picture with Caption">
+  <p:cSld name="รูปภาพพาโนรามาพร้อมคำอธิบายภาพ">
     <p:spTree>
       <p:nvGrpSpPr>
         <p:cNvPr id="1" name=""/>
@@ -3132,8 +3137,8 @@
         </p:nvSpPr>
         <p:spPr>
           <a:xfrm>
-            <a:off x="866443" y="4800587"/>
-            <a:ext cx="6620967" cy="566738"/>
+            <a:off x="1154956" y="4800587"/>
+            <a:ext cx="8825657" cy="566738"/>
           </a:xfrm>
         </p:spPr>
         <p:txBody>
@@ -3147,8 +3152,8 @@
           </a:lstStyle>
           <a:p>
             <a:r>
-              <a:rPr lang="en-US" smtClean="0"/>
-              <a:t>Click to edit Master title style</a:t>
+              <a:rPr lang="th-TH"/>
+              <a:t>คลิกเพื่อแก้ไขสไตล์ชื่อเรื่องต้นแบบ</a:t>
             </a:r>
             <a:endParaRPr lang="en-US" dirty="0"/>
           </a:p>
@@ -3166,8 +3171,8 @@
         </p:nvSpPr>
         <p:spPr>
           <a:xfrm>
-            <a:off x="866442" y="685800"/>
-            <a:ext cx="6620968" cy="3640666"/>
+            <a:off x="1154955" y="685800"/>
+            <a:ext cx="8825658" cy="3640666"/>
           </a:xfrm>
           <a:prstGeom prst="roundRect">
             <a:avLst>
@@ -3226,8 +3231,8 @@
           </a:lstStyle>
           <a:p>
             <a:r>
-              <a:rPr lang="en-US" smtClean="0"/>
-              <a:t>Click icon to add picture</a:t>
+              <a:rPr lang="th-TH"/>
+              <a:t>คลิกไอคอนเพื่อเพิ่มรูปภาพ</a:t>
             </a:r>
             <a:endParaRPr lang="en-US" dirty="0"/>
           </a:p>
@@ -3245,8 +3250,8 @@
         </p:nvSpPr>
         <p:spPr>
           <a:xfrm>
-            <a:off x="866443" y="5367325"/>
-            <a:ext cx="6620966" cy="493712"/>
+            <a:off x="1154956" y="5367325"/>
+            <a:ext cx="8825656" cy="493712"/>
           </a:xfrm>
         </p:spPr>
         <p:txBody>
@@ -3294,30 +3299,30 @@
           <a:p>
             <a:pPr lvl="0"/>
             <a:r>
+              <a:rPr lang="th-TH"/>
+              <a:t>คลิกเพื่อแก้ไขสไตล์ของข้อความต้นแบบ</a:t>
+            </a:r>
+          </a:p>
+        </p:txBody>
+      </p:sp>
+      <p:sp>
+        <p:nvSpPr>
+          <p:cNvPr id="5" name="Date Placeholder 4"/>
+          <p:cNvSpPr>
+            <a:spLocks noGrp="1"/>
+          </p:cNvSpPr>
+          <p:nvPr>
+            <p:ph type="dt" sz="half" idx="10"/>
+          </p:nvPr>
+        </p:nvSpPr>
+        <p:spPr/>
+        <p:txBody>
+          <a:bodyPr/>
+          <a:lstStyle/>
+          <a:p>
+            <a:fld id="{B6D7C078-ECBE-42C1-8A02-606F7E73FAE4}" type="datetime1">
               <a:rPr lang="en-US" smtClean="0"/>
-              <a:t>Click to edit Master text styles</a:t>
-            </a:r>
-          </a:p>
-        </p:txBody>
-      </p:sp>
-      <p:sp>
-        <p:nvSpPr>
-          <p:cNvPr id="5" name="Date Placeholder 4"/>
-          <p:cNvSpPr>
-            <a:spLocks noGrp="1"/>
-          </p:cNvSpPr>
-          <p:nvPr>
-            <p:ph type="dt" sz="half" idx="10"/>
-          </p:nvPr>
-        </p:nvSpPr>
-        <p:spPr/>
-        <p:txBody>
-          <a:bodyPr/>
-          <a:lstStyle/>
-          <a:p>
-            <a:fld id="{7B55182D-5C58-4BA9-83BC-3F95D1208507}" type="datetime1">
-              <a:rPr lang="en-US" smtClean="0"/>
-              <a:t>3/21/2019</a:t>
+              <a:t>3/25/2019</a:t>
             </a:fld>
             <a:endParaRPr lang="en-US" dirty="0"/>
           </a:p>
@@ -3368,19 +3373,20 @@
     </p:spTree>
     <p:extLst>
       <p:ext uri="{BB962C8B-B14F-4D97-AF65-F5344CB8AC3E}">
-        <p14:creationId xmlns:p14="http://schemas.microsoft.com/office/powerpoint/2010/main" val="3656660450"/>
+        <p14:creationId xmlns:p14="http://schemas.microsoft.com/office/powerpoint/2010/main" val="100445089"/>
       </p:ext>
     </p:extLst>
   </p:cSld>
   <p:clrMapOvr>
     <a:masterClrMapping/>
   </p:clrMapOvr>
+  <p:hf hdr="0" ftr="0" dt="0"/>
 </p:sldLayout>
 </file>
 
 <file path=ppt/slideLayouts/slideLayout11.xml><?xml version="1.0" encoding="utf-8"?>
 <p:sldLayout xmlns:a="http://schemas.openxmlformats.org/drawingml/2006/main" xmlns:r="http://schemas.openxmlformats.org/officeDocument/2006/relationships" xmlns:p="http://schemas.openxmlformats.org/presentationml/2006/main" preserve="1">
-  <p:cSld name="Title and Caption">
+  <p:cSld name="ชื่อและคำอธิบาย">
     <p:spTree>
       <p:nvGrpSpPr>
         <p:cNvPr id="1" name=""/>
@@ -3407,8 +3413,8 @@
         </p:nvSpPr>
         <p:spPr>
           <a:xfrm>
-            <a:off x="866442" y="1447800"/>
-            <a:ext cx="6620968" cy="1981200"/>
+            <a:off x="1154954" y="1447800"/>
+            <a:ext cx="8825659" cy="1981200"/>
           </a:xfrm>
         </p:spPr>
         <p:txBody>
@@ -3420,8 +3426,8 @@
           </a:lstStyle>
           <a:p>
             <a:r>
-              <a:rPr lang="en-US" smtClean="0"/>
-              <a:t>Click to edit Master title style</a:t>
+              <a:rPr lang="th-TH"/>
+              <a:t>คลิกเพื่อแก้ไขสไตล์ชื่อเรื่องต้นแบบ</a:t>
             </a:r>
             <a:endParaRPr lang="en-US" dirty="0"/>
           </a:p>
@@ -3439,8 +3445,8 @@
         </p:nvSpPr>
         <p:spPr>
           <a:xfrm>
-            <a:off x="866442" y="3657600"/>
-            <a:ext cx="6620968" cy="2362200"/>
+            <a:off x="1154954" y="3657600"/>
+            <a:ext cx="8825659" cy="2362200"/>
           </a:xfrm>
         </p:spPr>
         <p:txBody>
@@ -3488,30 +3494,30 @@
           <a:p>
             <a:pPr lvl="0"/>
             <a:r>
+              <a:rPr lang="th-TH"/>
+              <a:t>คลิกเพื่อแก้ไขสไตล์ของข้อความต้นแบบ</a:t>
+            </a:r>
+          </a:p>
+        </p:txBody>
+      </p:sp>
+      <p:sp>
+        <p:nvSpPr>
+          <p:cNvPr id="4" name="Date Placeholder 3"/>
+          <p:cNvSpPr>
+            <a:spLocks noGrp="1"/>
+          </p:cNvSpPr>
+          <p:nvPr>
+            <p:ph type="dt" sz="half" idx="10"/>
+          </p:nvPr>
+        </p:nvSpPr>
+        <p:spPr/>
+        <p:txBody>
+          <a:bodyPr/>
+          <a:lstStyle/>
+          <a:p>
+            <a:fld id="{B6D7C078-ECBE-42C1-8A02-606F7E73FAE4}" type="datetime1">
               <a:rPr lang="en-US" smtClean="0"/>
-              <a:t>Click to edit Master text styles</a:t>
-            </a:r>
-          </a:p>
-        </p:txBody>
-      </p:sp>
-      <p:sp>
-        <p:nvSpPr>
-          <p:cNvPr id="4" name="Date Placeholder 3"/>
-          <p:cNvSpPr>
-            <a:spLocks noGrp="1"/>
-          </p:cNvSpPr>
-          <p:nvPr>
-            <p:ph type="dt" sz="half" idx="10"/>
-          </p:nvPr>
-        </p:nvSpPr>
-        <p:spPr/>
-        <p:txBody>
-          <a:bodyPr/>
-          <a:lstStyle/>
-          <a:p>
-            <a:fld id="{6D7F76A9-02B6-47C9-9773-309D32E75B16}" type="datetime1">
-              <a:rPr lang="en-US" smtClean="0"/>
-              <a:t>3/21/2019</a:t>
+              <a:t>3/25/2019</a:t>
             </a:fld>
             <a:endParaRPr lang="en-US" dirty="0"/>
           </a:p>
@@ -3562,19 +3568,20 @@
     </p:spTree>
     <p:extLst>
       <p:ext uri="{BB962C8B-B14F-4D97-AF65-F5344CB8AC3E}">
-        <p14:creationId xmlns:p14="http://schemas.microsoft.com/office/powerpoint/2010/main" val="283789480"/>
+        <p14:creationId xmlns:p14="http://schemas.microsoft.com/office/powerpoint/2010/main" val="1779557099"/>
       </p:ext>
     </p:extLst>
   </p:cSld>
   <p:clrMapOvr>
     <a:masterClrMapping/>
   </p:clrMapOvr>
+  <p:hf hdr="0" ftr="0" dt="0"/>
 </p:sldLayout>
 </file>
 
 <file path=ppt/slideLayouts/slideLayout12.xml><?xml version="1.0" encoding="utf-8"?>
 <p:sldLayout xmlns:a="http://schemas.openxmlformats.org/drawingml/2006/main" xmlns:r="http://schemas.openxmlformats.org/officeDocument/2006/relationships" xmlns:p="http://schemas.openxmlformats.org/presentationml/2006/main" preserve="1">
-  <p:cSld name="Quote with Caption">
+  <p:cSld name="คำอ้างอิงพร้อมคำอธิบาย">
     <p:spTree>
       <p:nvGrpSpPr>
         <p:cNvPr id="1" name=""/>
@@ -3601,8 +3608,8 @@
         </p:nvSpPr>
         <p:spPr>
           <a:xfrm>
-            <a:off x="1181409" y="1447800"/>
-            <a:ext cx="6001049" cy="2317649"/>
+            <a:off x="1574801" y="1447800"/>
+            <a:ext cx="7999315" cy="2323374"/>
           </a:xfrm>
         </p:spPr>
         <p:txBody>
@@ -3614,8 +3621,8 @@
           </a:lstStyle>
           <a:p>
             <a:r>
-              <a:rPr lang="en-US" smtClean="0"/>
-              <a:t>Click to edit Master title style</a:t>
+              <a:rPr lang="th-TH"/>
+              <a:t>คลิกเพื่อแก้ไขสไตล์ชื่อเรื่องต้นแบบ</a:t>
             </a:r>
             <a:endParaRPr lang="en-US" dirty="0"/>
           </a:p>
@@ -3633,8 +3640,8 @@
         </p:nvSpPr>
         <p:spPr>
           <a:xfrm>
-            <a:off x="1454530" y="3765449"/>
-            <a:ext cx="5449871" cy="342174"/>
+            <a:off x="1930400" y="3771174"/>
+            <a:ext cx="7279649" cy="342174"/>
           </a:xfrm>
         </p:spPr>
         <p:txBody>
@@ -3689,8 +3696,8 @@
           <a:p>
             <a:pPr lvl="0"/>
             <a:r>
-              <a:rPr lang="en-US" smtClean="0"/>
-              <a:t>Click to edit Master text styles</a:t>
+              <a:rPr lang="th-TH"/>
+              <a:t>คลิกเพื่อแก้ไขสไตล์ของข้อความต้นแบบ</a:t>
             </a:r>
           </a:p>
         </p:txBody>
@@ -3707,8 +3714,8 @@
         </p:nvSpPr>
         <p:spPr>
           <a:xfrm>
-            <a:off x="866442" y="4350657"/>
-            <a:ext cx="6620968" cy="1676400"/>
+            <a:off x="1154954" y="4350657"/>
+            <a:ext cx="8825659" cy="1676400"/>
           </a:xfrm>
         </p:spPr>
         <p:txBody>
@@ -3756,30 +3763,30 @@
           <a:p>
             <a:pPr lvl="0"/>
             <a:r>
+              <a:rPr lang="th-TH"/>
+              <a:t>คลิกเพื่อแก้ไขสไตล์ของข้อความต้นแบบ</a:t>
+            </a:r>
+          </a:p>
+        </p:txBody>
+      </p:sp>
+      <p:sp>
+        <p:nvSpPr>
+          <p:cNvPr id="4" name="Date Placeholder 3"/>
+          <p:cNvSpPr>
+            <a:spLocks noGrp="1"/>
+          </p:cNvSpPr>
+          <p:nvPr>
+            <p:ph type="dt" sz="half" idx="10"/>
+          </p:nvPr>
+        </p:nvSpPr>
+        <p:spPr/>
+        <p:txBody>
+          <a:bodyPr/>
+          <a:lstStyle/>
+          <a:p>
+            <a:fld id="{B6D7C078-ECBE-42C1-8A02-606F7E73FAE4}" type="datetime1">
               <a:rPr lang="en-US" smtClean="0"/>
-              <a:t>Click to edit Master text styles</a:t>
-            </a:r>
-          </a:p>
-        </p:txBody>
-      </p:sp>
-      <p:sp>
-        <p:nvSpPr>
-          <p:cNvPr id="4" name="Date Placeholder 3"/>
-          <p:cNvSpPr>
-            <a:spLocks noGrp="1"/>
-          </p:cNvSpPr>
-          <p:nvPr>
-            <p:ph type="dt" sz="half" idx="10"/>
-          </p:nvPr>
-        </p:nvSpPr>
-        <p:spPr/>
-        <p:txBody>
-          <a:bodyPr/>
-          <a:lstStyle/>
-          <a:p>
-            <a:fld id="{016CA8F0-EE05-42C5-A7F8-8A0754DCF4B6}" type="datetime1">
-              <a:rPr lang="en-US" smtClean="0"/>
-              <a:t>3/21/2019</a:t>
+              <a:t>3/25/2019</a:t>
             </a:fld>
             <a:endParaRPr lang="en-US" dirty="0"/>
           </a:p>
@@ -3835,8 +3842,8 @@
         </p:nvSpPr>
         <p:spPr>
           <a:xfrm>
-            <a:off x="673897" y="971253"/>
-            <a:ext cx="601591" cy="1969770"/>
+            <a:off x="898295" y="971253"/>
+            <a:ext cx="801912" cy="1969770"/>
           </a:xfrm>
           <a:prstGeom prst="rect">
             <a:avLst/>
@@ -3865,7 +3872,7 @@
           <a:p>
             <a:pPr lvl="0"/>
             <a:r>
-              <a:rPr lang="en-US" sz="12200" dirty="0"/>
+              <a:rPr lang="en-US" dirty="0"/>
               <a:t>“</a:t>
             </a:r>
           </a:p>
@@ -3879,8 +3886,8 @@
         </p:nvSpPr>
         <p:spPr>
           <a:xfrm>
-            <a:off x="6999690" y="2613787"/>
-            <a:ext cx="601591" cy="1969770"/>
+            <a:off x="9330490" y="2613787"/>
+            <a:ext cx="801912" cy="1969770"/>
           </a:xfrm>
           <a:prstGeom prst="rect">
             <a:avLst/>
@@ -3909,7 +3916,7 @@
           <a:p>
             <a:pPr lvl="0"/>
             <a:r>
-              <a:rPr lang="en-US" sz="12200" dirty="0"/>
+              <a:rPr lang="en-US" dirty="0"/>
               <a:t>”</a:t>
             </a:r>
           </a:p>
@@ -3918,19 +3925,20 @@
     </p:spTree>
     <p:extLst>
       <p:ext uri="{BB962C8B-B14F-4D97-AF65-F5344CB8AC3E}">
-        <p14:creationId xmlns:p14="http://schemas.microsoft.com/office/powerpoint/2010/main" val="1114404646"/>
+        <p14:creationId xmlns:p14="http://schemas.microsoft.com/office/powerpoint/2010/main" val="885376123"/>
       </p:ext>
     </p:extLst>
   </p:cSld>
   <p:clrMapOvr>
     <a:masterClrMapping/>
   </p:clrMapOvr>
+  <p:hf hdr="0" ftr="0" dt="0"/>
 </p:sldLayout>
 </file>
 
 <file path=ppt/slideLayouts/slideLayout13.xml><?xml version="1.0" encoding="utf-8"?>
 <p:sldLayout xmlns:a="http://schemas.openxmlformats.org/drawingml/2006/main" xmlns:r="http://schemas.openxmlformats.org/officeDocument/2006/relationships" xmlns:p="http://schemas.openxmlformats.org/presentationml/2006/main" preserve="1">
-  <p:cSld name="Name Card">
+  <p:cSld name="นามบัตร">
     <p:spTree>
       <p:nvGrpSpPr>
         <p:cNvPr id="1" name=""/>
@@ -3957,8 +3965,8 @@
         </p:nvSpPr>
         <p:spPr>
           <a:xfrm>
-            <a:off x="866441" y="3124201"/>
-            <a:ext cx="6620969" cy="1653180"/>
+            <a:off x="1154954" y="3124201"/>
+            <a:ext cx="8825660" cy="1653180"/>
           </a:xfrm>
         </p:spPr>
         <p:txBody>
@@ -3970,8 +3978,8 @@
           </a:lstStyle>
           <a:p>
             <a:r>
-              <a:rPr lang="en-US" smtClean="0"/>
-              <a:t>Click to edit Master title style</a:t>
+              <a:rPr lang="th-TH"/>
+              <a:t>คลิกเพื่อแก้ไขสไตล์ชื่อเรื่องต้นแบบ</a:t>
             </a:r>
             <a:endParaRPr lang="en-US" dirty="0"/>
           </a:p>
@@ -3989,8 +3997,8 @@
         </p:nvSpPr>
         <p:spPr>
           <a:xfrm>
-            <a:off x="866442" y="4777381"/>
-            <a:ext cx="6620968" cy="860400"/>
+            <a:off x="1154954" y="4777381"/>
+            <a:ext cx="8825659" cy="860400"/>
           </a:xfrm>
         </p:spPr>
         <p:txBody>
@@ -4088,30 +4096,30 @@
           <a:p>
             <a:pPr lvl="0"/>
             <a:r>
+              <a:rPr lang="th-TH"/>
+              <a:t>คลิกเพื่อแก้ไขสไตล์ของข้อความต้นแบบ</a:t>
+            </a:r>
+          </a:p>
+        </p:txBody>
+      </p:sp>
+      <p:sp>
+        <p:nvSpPr>
+          <p:cNvPr id="4" name="Date Placeholder 3"/>
+          <p:cNvSpPr>
+            <a:spLocks noGrp="1"/>
+          </p:cNvSpPr>
+          <p:nvPr>
+            <p:ph type="dt" sz="half" idx="10"/>
+          </p:nvPr>
+        </p:nvSpPr>
+        <p:spPr/>
+        <p:txBody>
+          <a:bodyPr/>
+          <a:lstStyle/>
+          <a:p>
+            <a:fld id="{B6D7C078-ECBE-42C1-8A02-606F7E73FAE4}" type="datetime1">
               <a:rPr lang="en-US" smtClean="0"/>
-              <a:t>Click to edit Master text styles</a:t>
-            </a:r>
-          </a:p>
-        </p:txBody>
-      </p:sp>
-      <p:sp>
-        <p:nvSpPr>
-          <p:cNvPr id="4" name="Date Placeholder 3"/>
-          <p:cNvSpPr>
-            <a:spLocks noGrp="1"/>
-          </p:cNvSpPr>
-          <p:nvPr>
-            <p:ph type="dt" sz="half" idx="10"/>
-          </p:nvPr>
-        </p:nvSpPr>
-        <p:spPr/>
-        <p:txBody>
-          <a:bodyPr/>
-          <a:lstStyle/>
-          <a:p>
-            <a:fld id="{DF3842E8-BE69-451C-A547-D8BC759F0977}" type="datetime1">
-              <a:rPr lang="en-US" smtClean="0"/>
-              <a:t>3/21/2019</a:t>
+              <a:t>3/25/2019</a:t>
             </a:fld>
             <a:endParaRPr lang="en-US" dirty="0"/>
           </a:p>
@@ -4162,19 +4170,20 @@
     </p:spTree>
     <p:extLst>
       <p:ext uri="{BB962C8B-B14F-4D97-AF65-F5344CB8AC3E}">
-        <p14:creationId xmlns:p14="http://schemas.microsoft.com/office/powerpoint/2010/main" val="461610506"/>
+        <p14:creationId xmlns:p14="http://schemas.microsoft.com/office/powerpoint/2010/main" val="1441692120"/>
       </p:ext>
     </p:extLst>
   </p:cSld>
   <p:clrMapOvr>
     <a:masterClrMapping/>
   </p:clrMapOvr>
+  <p:hf hdr="0" ftr="0" dt="0"/>
 </p:sldLayout>
 </file>
 
 <file path=ppt/slideLayouts/slideLayout14.xml><?xml version="1.0" encoding="utf-8"?>
 <p:sldLayout xmlns:a="http://schemas.openxmlformats.org/drawingml/2006/main" xmlns:r="http://schemas.openxmlformats.org/officeDocument/2006/relationships" xmlns:p="http://schemas.openxmlformats.org/presentationml/2006/main" preserve="1">
-  <p:cSld name="3 Column">
+  <p:cSld name="3 คอลัมน์">
     <p:spTree>
       <p:nvGrpSpPr>
         <p:cNvPr id="1" name=""/>
@@ -4209,8 +4218,8 @@
           </a:lstStyle>
           <a:p>
             <a:r>
-              <a:rPr lang="en-US" smtClean="0"/>
-              <a:t>Click to edit Master title style</a:t>
+              <a:rPr lang="th-TH"/>
+              <a:t>คลิกเพื่อแก้ไขสไตล์ชื่อเรื่องต้นแบบ</a:t>
             </a:r>
             <a:endParaRPr lang="en-US" dirty="0"/>
           </a:p>
@@ -4228,8 +4237,8 @@
         </p:nvSpPr>
         <p:spPr>
           <a:xfrm>
-            <a:off x="474834" y="1981200"/>
-            <a:ext cx="2210725" cy="576262"/>
+            <a:off x="632947" y="1981200"/>
+            <a:ext cx="2946866" cy="576262"/>
           </a:xfrm>
         </p:spPr>
         <p:txBody>
@@ -4281,8 +4290,8 @@
           <a:p>
             <a:pPr lvl="0"/>
             <a:r>
-              <a:rPr lang="en-US" smtClean="0"/>
-              <a:t>Click to edit Master text styles</a:t>
+              <a:rPr lang="th-TH"/>
+              <a:t>คลิกเพื่อแก้ไขสไตล์ของข้อความต้นแบบ</a:t>
             </a:r>
           </a:p>
         </p:txBody>
@@ -4299,8 +4308,8 @@
         </p:nvSpPr>
         <p:spPr>
           <a:xfrm>
-            <a:off x="489475" y="2667000"/>
-            <a:ext cx="2196084" cy="3589338"/>
+            <a:off x="652463" y="2667000"/>
+            <a:ext cx="2927350" cy="3589338"/>
           </a:xfrm>
         </p:spPr>
         <p:txBody>
@@ -4348,8 +4357,8 @@
           <a:p>
             <a:pPr lvl="0"/>
             <a:r>
-              <a:rPr lang="en-US" smtClean="0"/>
-              <a:t>Click to edit Master text styles</a:t>
+              <a:rPr lang="th-TH"/>
+              <a:t>คลิกเพื่อแก้ไขสไตล์ของข้อความต้นแบบ</a:t>
             </a:r>
           </a:p>
         </p:txBody>
@@ -4366,8 +4375,8 @@
         </p:nvSpPr>
         <p:spPr>
           <a:xfrm>
-            <a:off x="2913504" y="1981200"/>
-            <a:ext cx="2202754" cy="576262"/>
+            <a:off x="3883659" y="1981200"/>
+            <a:ext cx="2936241" cy="576262"/>
           </a:xfrm>
         </p:spPr>
         <p:txBody>
@@ -4419,8 +4428,8 @@
           <a:p>
             <a:pPr lvl="0"/>
             <a:r>
-              <a:rPr lang="en-US" smtClean="0"/>
-              <a:t>Click to edit Master text styles</a:t>
+              <a:rPr lang="th-TH"/>
+              <a:t>คลิกเพื่อแก้ไขสไตล์ของข้อความต้นแบบ</a:t>
             </a:r>
           </a:p>
         </p:txBody>
@@ -4437,8 +4446,8 @@
         </p:nvSpPr>
         <p:spPr>
           <a:xfrm>
-            <a:off x="2905586" y="2667000"/>
-            <a:ext cx="2210671" cy="3589338"/>
+            <a:off x="3873106" y="2667000"/>
+            <a:ext cx="2946794" cy="3589338"/>
           </a:xfrm>
         </p:spPr>
         <p:txBody>
@@ -4486,8 +4495,8 @@
           <a:p>
             <a:pPr lvl="0"/>
             <a:r>
-              <a:rPr lang="en-US" smtClean="0"/>
-              <a:t>Click to edit Master text styles</a:t>
+              <a:rPr lang="th-TH"/>
+              <a:t>คลิกเพื่อแก้ไขสไตล์ของข้อความต้นแบบ</a:t>
             </a:r>
           </a:p>
         </p:txBody>
@@ -4504,8 +4513,8 @@
         </p:nvSpPr>
         <p:spPr>
           <a:xfrm>
-            <a:off x="5344917" y="1981200"/>
-            <a:ext cx="2199658" cy="576262"/>
+            <a:off x="7124700" y="1981200"/>
+            <a:ext cx="2932113" cy="576262"/>
           </a:xfrm>
         </p:spPr>
         <p:txBody>
@@ -4557,8 +4566,8 @@
           <a:p>
             <a:pPr lvl="0"/>
             <a:r>
-              <a:rPr lang="en-US" smtClean="0"/>
-              <a:t>Click to edit Master text styles</a:t>
+              <a:rPr lang="th-TH"/>
+              <a:t>คลิกเพื่อแก้ไขสไตล์ของข้อความต้นแบบ</a:t>
             </a:r>
           </a:p>
         </p:txBody>
@@ -4575,8 +4584,8 @@
         </p:nvSpPr>
         <p:spPr>
           <a:xfrm>
-            <a:off x="5344917" y="2667000"/>
-            <a:ext cx="2199658" cy="3589338"/>
+            <a:off x="7124700" y="2667000"/>
+            <a:ext cx="2932113" cy="3589338"/>
           </a:xfrm>
         </p:spPr>
         <p:txBody>
@@ -4624,8 +4633,8 @@
           <a:p>
             <a:pPr lvl="0"/>
             <a:r>
-              <a:rPr lang="en-US" smtClean="0"/>
-              <a:t>Click to edit Master text styles</a:t>
+              <a:rPr lang="th-TH"/>
+              <a:t>คลิกเพื่อแก้ไขสไตล์ของข้อความต้นแบบ</a:t>
             </a:r>
           </a:p>
         </p:txBody>
@@ -4638,7 +4647,7 @@
         </p:nvCxnSpPr>
         <p:spPr>
           <a:xfrm>
-            <a:off x="2795334" y="2133600"/>
+            <a:off x="3726142" y="2133600"/>
             <a:ext cx="0" cy="3962400"/>
           </a:xfrm>
           <a:prstGeom prst="line">
@@ -4675,7 +4684,7 @@
         </p:nvCxnSpPr>
         <p:spPr>
           <a:xfrm>
-            <a:off x="5223030" y="2133600"/>
+            <a:off x="6962227" y="2133600"/>
             <a:ext cx="0" cy="3966882"/>
           </a:xfrm>
           <a:prstGeom prst="line">
@@ -4719,9 +4728,9 @@
           <a:bodyPr/>
           <a:lstStyle/>
           <a:p>
-            <a:fld id="{AD1B9896-9E2C-4F82-80D7-9DDC1696C683}" type="datetime1">
+            <a:fld id="{B6D7C078-ECBE-42C1-8A02-606F7E73FAE4}" type="datetime1">
               <a:rPr lang="en-US" smtClean="0"/>
-              <a:t>3/21/2019</a:t>
+              <a:t>3/25/2019</a:t>
             </a:fld>
             <a:endParaRPr lang="en-US" dirty="0"/>
           </a:p>
@@ -4772,19 +4781,20 @@
     </p:spTree>
     <p:extLst>
       <p:ext uri="{BB962C8B-B14F-4D97-AF65-F5344CB8AC3E}">
-        <p14:creationId xmlns:p14="http://schemas.microsoft.com/office/powerpoint/2010/main" val="4148211282"/>
+        <p14:creationId xmlns:p14="http://schemas.microsoft.com/office/powerpoint/2010/main" val="202383289"/>
       </p:ext>
     </p:extLst>
   </p:cSld>
   <p:clrMapOvr>
     <a:masterClrMapping/>
   </p:clrMapOvr>
+  <p:hf hdr="0" ftr="0" dt="0"/>
 </p:sldLayout>
 </file>
 
 <file path=ppt/slideLayouts/slideLayout15.xml><?xml version="1.0" encoding="utf-8"?>
 <p:sldLayout xmlns:a="http://schemas.openxmlformats.org/drawingml/2006/main" xmlns:r="http://schemas.openxmlformats.org/officeDocument/2006/relationships" xmlns:p="http://schemas.openxmlformats.org/presentationml/2006/main" preserve="1">
-  <p:cSld name="3 Picture Column">
+  <p:cSld name="คอลัมน์รูปภาพ 3 รูป">
     <p:spTree>
       <p:nvGrpSpPr>
         <p:cNvPr id="1" name=""/>
@@ -4819,8 +4829,8 @@
           </a:lstStyle>
           <a:p>
             <a:r>
-              <a:rPr lang="en-US" smtClean="0"/>
-              <a:t>Click to edit Master title style</a:t>
+              <a:rPr lang="th-TH"/>
+              <a:t>คลิกเพื่อแก้ไขสไตล์ชื่อเรื่องต้นแบบ</a:t>
             </a:r>
             <a:endParaRPr lang="en-US" dirty="0"/>
           </a:p>
@@ -4838,8 +4848,8 @@
         </p:nvSpPr>
         <p:spPr>
           <a:xfrm>
-            <a:off x="489475" y="4250949"/>
-            <a:ext cx="2205612" cy="576262"/>
+            <a:off x="652463" y="4250949"/>
+            <a:ext cx="2940050" cy="576262"/>
           </a:xfrm>
         </p:spPr>
         <p:txBody>
@@ -4891,8 +4901,8 @@
           <a:p>
             <a:pPr lvl="0"/>
             <a:r>
-              <a:rPr lang="en-US" smtClean="0"/>
-              <a:t>Click to edit Master text styles</a:t>
+              <a:rPr lang="th-TH"/>
+              <a:t>คลิกเพื่อแก้ไขสไตล์ของข้อความต้นแบบ</a:t>
             </a:r>
           </a:p>
         </p:txBody>
@@ -4909,8 +4919,8 @@
         </p:nvSpPr>
         <p:spPr>
           <a:xfrm>
-            <a:off x="489475" y="2209800"/>
-            <a:ext cx="2205612" cy="1524000"/>
+            <a:off x="652463" y="2209800"/>
+            <a:ext cx="2940050" cy="1524000"/>
           </a:xfrm>
           <a:prstGeom prst="roundRect">
             <a:avLst>
@@ -4969,8 +4979,8 @@
           </a:lstStyle>
           <a:p>
             <a:r>
-              <a:rPr lang="en-US" smtClean="0"/>
-              <a:t>Click icon to add picture</a:t>
+              <a:rPr lang="th-TH"/>
+              <a:t>คลิกไอคอนเพื่อเพิ่มรูปภาพ</a:t>
             </a:r>
             <a:endParaRPr lang="en-US" dirty="0"/>
           </a:p>
@@ -4988,8 +4998,8 @@
         </p:nvSpPr>
         <p:spPr>
           <a:xfrm>
-            <a:off x="489475" y="4827212"/>
-            <a:ext cx="2205612" cy="659189"/>
+            <a:off x="652463" y="4827211"/>
+            <a:ext cx="2940050" cy="659189"/>
           </a:xfrm>
         </p:spPr>
         <p:txBody>
@@ -5037,8 +5047,8 @@
           <a:p>
             <a:pPr lvl="0"/>
             <a:r>
-              <a:rPr lang="en-US" smtClean="0"/>
-              <a:t>Click to edit Master text styles</a:t>
+              <a:rPr lang="th-TH"/>
+              <a:t>คลิกเพื่อแก้ไขสไตล์ของข้อความต้นแบบ</a:t>
             </a:r>
           </a:p>
         </p:txBody>
@@ -5055,8 +5065,8 @@
         </p:nvSpPr>
         <p:spPr>
           <a:xfrm>
-            <a:off x="2917792" y="4250949"/>
-            <a:ext cx="2198466" cy="576262"/>
+            <a:off x="3889375" y="4250949"/>
+            <a:ext cx="2930525" cy="576262"/>
           </a:xfrm>
         </p:spPr>
         <p:txBody>
@@ -5108,8 +5118,8 @@
           <a:p>
             <a:pPr lvl="0"/>
             <a:r>
-              <a:rPr lang="en-US" smtClean="0"/>
-              <a:t>Click to edit Master text styles</a:t>
+              <a:rPr lang="th-TH"/>
+              <a:t>คลิกเพื่อแก้ไขสไตล์ของข้อความต้นแบบ</a:t>
             </a:r>
           </a:p>
         </p:txBody>
@@ -5126,8 +5136,8 @@
         </p:nvSpPr>
         <p:spPr>
           <a:xfrm>
-            <a:off x="2917791" y="2209800"/>
-            <a:ext cx="2198466" cy="1524000"/>
+            <a:off x="3889374" y="2209800"/>
+            <a:ext cx="2930525" cy="1524000"/>
           </a:xfrm>
           <a:prstGeom prst="roundRect">
             <a:avLst>
@@ -5186,8 +5196,8 @@
           </a:lstStyle>
           <a:p>
             <a:r>
-              <a:rPr lang="en-US" smtClean="0"/>
-              <a:t>Click icon to add picture</a:t>
+              <a:rPr lang="th-TH"/>
+              <a:t>คลิกไอคอนเพื่อเพิ่มรูปภาพ</a:t>
             </a:r>
             <a:endParaRPr lang="en-US" dirty="0"/>
           </a:p>
@@ -5205,8 +5215,8 @@
         </p:nvSpPr>
         <p:spPr>
           <a:xfrm>
-            <a:off x="2916776" y="4827211"/>
-            <a:ext cx="2201378" cy="659189"/>
+            <a:off x="3888022" y="4827210"/>
+            <a:ext cx="2934406" cy="659189"/>
           </a:xfrm>
         </p:spPr>
         <p:txBody>
@@ -5254,8 +5264,8 @@
           <a:p>
             <a:pPr lvl="0"/>
             <a:r>
-              <a:rPr lang="en-US" smtClean="0"/>
-              <a:t>Click to edit Master text styles</a:t>
+              <a:rPr lang="th-TH"/>
+              <a:t>คลิกเพื่อแก้ไขสไตล์ของข้อความต้นแบบ</a:t>
             </a:r>
           </a:p>
         </p:txBody>
@@ -5272,8 +5282,8 @@
         </p:nvSpPr>
         <p:spPr>
           <a:xfrm>
-            <a:off x="5344917" y="4250949"/>
-            <a:ext cx="2199658" cy="576262"/>
+            <a:off x="7124700" y="4250949"/>
+            <a:ext cx="2932113" cy="576262"/>
           </a:xfrm>
         </p:spPr>
         <p:txBody>
@@ -5325,8 +5335,8 @@
           <a:p>
             <a:pPr lvl="0"/>
             <a:r>
-              <a:rPr lang="en-US" smtClean="0"/>
-              <a:t>Click to edit Master text styles</a:t>
+              <a:rPr lang="th-TH"/>
+              <a:t>คลิกเพื่อแก้ไขสไตล์ของข้อความต้นแบบ</a:t>
             </a:r>
           </a:p>
         </p:txBody>
@@ -5343,8 +5353,8 @@
         </p:nvSpPr>
         <p:spPr>
           <a:xfrm>
-            <a:off x="5344916" y="2209800"/>
-            <a:ext cx="2199658" cy="1524000"/>
+            <a:off x="7124699" y="2209800"/>
+            <a:ext cx="2932113" cy="1524000"/>
           </a:xfrm>
           <a:prstGeom prst="roundRect">
             <a:avLst>
@@ -5403,8 +5413,8 @@
           </a:lstStyle>
           <a:p>
             <a:r>
-              <a:rPr lang="en-US" smtClean="0"/>
-              <a:t>Click icon to add picture</a:t>
+              <a:rPr lang="th-TH"/>
+              <a:t>คลิกไอคอนเพื่อเพิ่มรูปภาพ</a:t>
             </a:r>
             <a:endParaRPr lang="en-US" dirty="0"/>
           </a:p>
@@ -5422,8 +5432,8 @@
         </p:nvSpPr>
         <p:spPr>
           <a:xfrm>
-            <a:off x="5344824" y="4827209"/>
-            <a:ext cx="2202571" cy="659189"/>
+            <a:off x="7124575" y="4827208"/>
+            <a:ext cx="2935997" cy="659189"/>
           </a:xfrm>
         </p:spPr>
         <p:txBody>
@@ -5471,8 +5481,8 @@
           <a:p>
             <a:pPr lvl="0"/>
             <a:r>
-              <a:rPr lang="en-US" smtClean="0"/>
-              <a:t>Click to edit Master text styles</a:t>
+              <a:rPr lang="th-TH"/>
+              <a:t>คลิกเพื่อแก้ไขสไตล์ของข้อความต้นแบบ</a:t>
             </a:r>
           </a:p>
         </p:txBody>
@@ -5485,7 +5495,7 @@
         </p:nvCxnSpPr>
         <p:spPr>
           <a:xfrm>
-            <a:off x="2795334" y="2133600"/>
+            <a:off x="3726142" y="2133600"/>
             <a:ext cx="0" cy="3962400"/>
           </a:xfrm>
           <a:prstGeom prst="line">
@@ -5522,7 +5532,7 @@
         </p:nvCxnSpPr>
         <p:spPr>
           <a:xfrm>
-            <a:off x="5223030" y="2133600"/>
+            <a:off x="6962227" y="2133600"/>
             <a:ext cx="0" cy="3966882"/>
           </a:xfrm>
           <a:prstGeom prst="line">
@@ -5566,9 +5576,9 @@
           <a:bodyPr/>
           <a:lstStyle/>
           <a:p>
-            <a:fld id="{5DE72F5E-BEB7-46F4-B868-ABAE66A030C2}" type="datetime1">
+            <a:fld id="{B6D7C078-ECBE-42C1-8A02-606F7E73FAE4}" type="datetime1">
               <a:rPr lang="en-US" smtClean="0"/>
-              <a:t>3/21/2019</a:t>
+              <a:t>3/25/2019</a:t>
             </a:fld>
             <a:endParaRPr lang="en-US" dirty="0"/>
           </a:p>
@@ -5619,19 +5629,20 @@
     </p:spTree>
     <p:extLst>
       <p:ext uri="{BB962C8B-B14F-4D97-AF65-F5344CB8AC3E}">
-        <p14:creationId xmlns:p14="http://schemas.microsoft.com/office/powerpoint/2010/main" val="4016534238"/>
+        <p14:creationId xmlns:p14="http://schemas.microsoft.com/office/powerpoint/2010/main" val="1675286952"/>
       </p:ext>
     </p:extLst>
   </p:cSld>
   <p:clrMapOvr>
     <a:masterClrMapping/>
   </p:clrMapOvr>
+  <p:hf hdr="0" ftr="0" dt="0"/>
 </p:sldLayout>
 </file>
 
 <file path=ppt/slideLayouts/slideLayout16.xml><?xml version="1.0" encoding="utf-8"?>
 <p:sldLayout xmlns:a="http://schemas.openxmlformats.org/drawingml/2006/main" xmlns:r="http://schemas.openxmlformats.org/officeDocument/2006/relationships" xmlns:p="http://schemas.openxmlformats.org/presentationml/2006/main" type="vertTx" preserve="1">
-  <p:cSld name="Title and Vertical Text">
+  <p:cSld name="ชื่อเรื่องและข้อความแนวตั้ง">
     <p:spTree>
       <p:nvGrpSpPr>
         <p:cNvPr id="1" name=""/>
@@ -5662,83 +5673,83 @@
           <a:lstStyle/>
           <a:p>
             <a:r>
+              <a:rPr lang="th-TH"/>
+              <a:t>คลิกเพื่อแก้ไขสไตล์ชื่อเรื่องต้นแบบ</a:t>
+            </a:r>
+            <a:endParaRPr lang="en-US" dirty="0"/>
+          </a:p>
+        </p:txBody>
+      </p:sp>
+      <p:sp>
+        <p:nvSpPr>
+          <p:cNvPr id="3" name="Vertical Text Placeholder 2"/>
+          <p:cNvSpPr>
+            <a:spLocks noGrp="1"/>
+          </p:cNvSpPr>
+          <p:nvPr>
+            <p:ph type="body" orient="vert" idx="1"/>
+          </p:nvPr>
+        </p:nvSpPr>
+        <p:spPr/>
+        <p:txBody>
+          <a:bodyPr vert="eaVert" anchor="t" anchorCtr="0"/>
+          <a:lstStyle/>
+          <a:p>
+            <a:pPr lvl="0"/>
+            <a:r>
+              <a:rPr lang="th-TH"/>
+              <a:t>คลิกเพื่อแก้ไขสไตล์ของข้อความต้นแบบ</a:t>
+            </a:r>
+          </a:p>
+          <a:p>
+            <a:pPr lvl="1"/>
+            <a:r>
+              <a:rPr lang="th-TH"/>
+              <a:t>ระดับที่สอง</a:t>
+            </a:r>
+          </a:p>
+          <a:p>
+            <a:pPr lvl="2"/>
+            <a:r>
+              <a:rPr lang="th-TH"/>
+              <a:t>ระดับที่สาม</a:t>
+            </a:r>
+          </a:p>
+          <a:p>
+            <a:pPr lvl="3"/>
+            <a:r>
+              <a:rPr lang="th-TH"/>
+              <a:t>ระดับที่สี่</a:t>
+            </a:r>
+          </a:p>
+          <a:p>
+            <a:pPr lvl="4"/>
+            <a:r>
+              <a:rPr lang="th-TH"/>
+              <a:t>ระดับที่ห้า</a:t>
+            </a:r>
+            <a:endParaRPr lang="en-US" dirty="0"/>
+          </a:p>
+        </p:txBody>
+      </p:sp>
+      <p:sp>
+        <p:nvSpPr>
+          <p:cNvPr id="4" name="Date Placeholder 3"/>
+          <p:cNvSpPr>
+            <a:spLocks noGrp="1"/>
+          </p:cNvSpPr>
+          <p:nvPr>
+            <p:ph type="dt" sz="half" idx="10"/>
+          </p:nvPr>
+        </p:nvSpPr>
+        <p:spPr/>
+        <p:txBody>
+          <a:bodyPr/>
+          <a:lstStyle/>
+          <a:p>
+            <a:fld id="{B6D7C078-ECBE-42C1-8A02-606F7E73FAE4}" type="datetime1">
               <a:rPr lang="en-US" smtClean="0"/>
-              <a:t>Click to edit Master title style</a:t>
-            </a:r>
-            <a:endParaRPr lang="en-US" dirty="0"/>
-          </a:p>
-        </p:txBody>
-      </p:sp>
-      <p:sp>
-        <p:nvSpPr>
-          <p:cNvPr id="3" name="Vertical Text Placeholder 2"/>
-          <p:cNvSpPr>
-            <a:spLocks noGrp="1"/>
-          </p:cNvSpPr>
-          <p:nvPr>
-            <p:ph type="body" orient="vert" idx="1"/>
-          </p:nvPr>
-        </p:nvSpPr>
-        <p:spPr/>
-        <p:txBody>
-          <a:bodyPr vert="eaVert" anchor="t" anchorCtr="0"/>
-          <a:lstStyle/>
-          <a:p>
-            <a:pPr lvl="0"/>
-            <a:r>
-              <a:rPr lang="en-US" smtClean="0"/>
-              <a:t>Click to edit Master text styles</a:t>
-            </a:r>
-          </a:p>
-          <a:p>
-            <a:pPr lvl="1"/>
-            <a:r>
-              <a:rPr lang="en-US" smtClean="0"/>
-              <a:t>Second level</a:t>
-            </a:r>
-          </a:p>
-          <a:p>
-            <a:pPr lvl="2"/>
-            <a:r>
-              <a:rPr lang="en-US" smtClean="0"/>
-              <a:t>Third level</a:t>
-            </a:r>
-          </a:p>
-          <a:p>
-            <a:pPr lvl="3"/>
-            <a:r>
-              <a:rPr lang="en-US" smtClean="0"/>
-              <a:t>Fourth level</a:t>
-            </a:r>
-          </a:p>
-          <a:p>
-            <a:pPr lvl="4"/>
-            <a:r>
-              <a:rPr lang="en-US" smtClean="0"/>
-              <a:t>Fifth level</a:t>
-            </a:r>
-            <a:endParaRPr lang="en-US" dirty="0"/>
-          </a:p>
-        </p:txBody>
-      </p:sp>
-      <p:sp>
-        <p:nvSpPr>
-          <p:cNvPr id="4" name="Date Placeholder 3"/>
-          <p:cNvSpPr>
-            <a:spLocks noGrp="1"/>
-          </p:cNvSpPr>
-          <p:nvPr>
-            <p:ph type="dt" sz="half" idx="10"/>
-          </p:nvPr>
-        </p:nvSpPr>
-        <p:spPr/>
-        <p:txBody>
-          <a:bodyPr/>
-          <a:lstStyle/>
-          <a:p>
-            <a:fld id="{49484743-42FA-4FC5-87A8-12F35F3FA300}" type="datetime1">
-              <a:rPr lang="en-US" smtClean="0"/>
-              <a:t>3/21/2019</a:t>
+              <a:t>3/25/2019</a:t>
             </a:fld>
             <a:endParaRPr lang="en-US" dirty="0"/>
           </a:p>
@@ -5789,19 +5800,20 @@
     </p:spTree>
     <p:extLst>
       <p:ext uri="{BB962C8B-B14F-4D97-AF65-F5344CB8AC3E}">
-        <p14:creationId xmlns:p14="http://schemas.microsoft.com/office/powerpoint/2010/main" val="875305867"/>
+        <p14:creationId xmlns:p14="http://schemas.microsoft.com/office/powerpoint/2010/main" val="3544245194"/>
       </p:ext>
     </p:extLst>
   </p:cSld>
   <p:clrMapOvr>
     <a:masterClrMapping/>
   </p:clrMapOvr>
+  <p:hf hdr="0" ftr="0" dt="0"/>
 </p:sldLayout>
 </file>
 
 <file path=ppt/slideLayouts/slideLayout17.xml><?xml version="1.0" encoding="utf-8"?>
 <p:sldLayout xmlns:a="http://schemas.openxmlformats.org/drawingml/2006/main" xmlns:r="http://schemas.openxmlformats.org/officeDocument/2006/relationships" xmlns:p="http://schemas.openxmlformats.org/presentationml/2006/main" type="vertTitleAndTx" preserve="1">
-  <p:cSld name="Vertical Title and Text">
+  <p:cSld name="ข้อความและชื่อเรื่องแนวตั้ง">
     <p:spTree>
       <p:nvGrpSpPr>
         <p:cNvPr id="1" name=""/>
@@ -5828,8 +5840,8 @@
         </p:nvSpPr>
         <p:spPr>
           <a:xfrm>
-            <a:off x="6229782" y="430214"/>
-            <a:ext cx="1314793" cy="5826125"/>
+            <a:off x="8304212" y="430213"/>
+            <a:ext cx="1752601" cy="5826125"/>
           </a:xfrm>
         </p:spPr>
         <p:txBody>
@@ -5837,88 +5849,88 @@
           <a:lstStyle/>
           <a:p>
             <a:r>
+              <a:rPr lang="th-TH"/>
+              <a:t>คลิกเพื่อแก้ไขสไตล์ชื่อเรื่องต้นแบบ</a:t>
+            </a:r>
+            <a:endParaRPr lang="en-US" dirty="0"/>
+          </a:p>
+        </p:txBody>
+      </p:sp>
+      <p:sp>
+        <p:nvSpPr>
+          <p:cNvPr id="3" name="Vertical Text Placeholder 2"/>
+          <p:cNvSpPr>
+            <a:spLocks noGrp="1"/>
+          </p:cNvSpPr>
+          <p:nvPr>
+            <p:ph type="body" orient="vert" idx="1"/>
+          </p:nvPr>
+        </p:nvSpPr>
+        <p:spPr>
+          <a:xfrm>
+            <a:off x="652463" y="887414"/>
+            <a:ext cx="7423149" cy="5368924"/>
+          </a:xfrm>
+        </p:spPr>
+        <p:txBody>
+          <a:bodyPr vert="eaVert"/>
+          <a:lstStyle/>
+          <a:p>
+            <a:pPr lvl="0"/>
+            <a:r>
+              <a:rPr lang="th-TH"/>
+              <a:t>คลิกเพื่อแก้ไขสไตล์ของข้อความต้นแบบ</a:t>
+            </a:r>
+          </a:p>
+          <a:p>
+            <a:pPr lvl="1"/>
+            <a:r>
+              <a:rPr lang="th-TH"/>
+              <a:t>ระดับที่สอง</a:t>
+            </a:r>
+          </a:p>
+          <a:p>
+            <a:pPr lvl="2"/>
+            <a:r>
+              <a:rPr lang="th-TH"/>
+              <a:t>ระดับที่สาม</a:t>
+            </a:r>
+          </a:p>
+          <a:p>
+            <a:pPr lvl="3"/>
+            <a:r>
+              <a:rPr lang="th-TH"/>
+              <a:t>ระดับที่สี่</a:t>
+            </a:r>
+          </a:p>
+          <a:p>
+            <a:pPr lvl="4"/>
+            <a:r>
+              <a:rPr lang="th-TH"/>
+              <a:t>ระดับที่ห้า</a:t>
+            </a:r>
+            <a:endParaRPr lang="en-US" dirty="0"/>
+          </a:p>
+        </p:txBody>
+      </p:sp>
+      <p:sp>
+        <p:nvSpPr>
+          <p:cNvPr id="4" name="Date Placeholder 3"/>
+          <p:cNvSpPr>
+            <a:spLocks noGrp="1"/>
+          </p:cNvSpPr>
+          <p:nvPr>
+            <p:ph type="dt" sz="half" idx="10"/>
+          </p:nvPr>
+        </p:nvSpPr>
+        <p:spPr/>
+        <p:txBody>
+          <a:bodyPr/>
+          <a:lstStyle/>
+          <a:p>
+            <a:fld id="{B6D7C078-ECBE-42C1-8A02-606F7E73FAE4}" type="datetime1">
               <a:rPr lang="en-US" smtClean="0"/>
-              <a:t>Click to edit Master title style</a:t>
-            </a:r>
-            <a:endParaRPr lang="en-US" dirty="0"/>
-          </a:p>
-        </p:txBody>
-      </p:sp>
-      <p:sp>
-        <p:nvSpPr>
-          <p:cNvPr id="3" name="Vertical Text Placeholder 2"/>
-          <p:cNvSpPr>
-            <a:spLocks noGrp="1"/>
-          </p:cNvSpPr>
-          <p:nvPr>
-            <p:ph type="body" orient="vert" idx="1"/>
-          </p:nvPr>
-        </p:nvSpPr>
-        <p:spPr>
-          <a:xfrm>
-            <a:off x="489475" y="773205"/>
-            <a:ext cx="5568812" cy="5483134"/>
-          </a:xfrm>
-        </p:spPr>
-        <p:txBody>
-          <a:bodyPr vert="eaVert"/>
-          <a:lstStyle/>
-          <a:p>
-            <a:pPr lvl="0"/>
-            <a:r>
-              <a:rPr lang="en-US" smtClean="0"/>
-              <a:t>Click to edit Master text styles</a:t>
-            </a:r>
-          </a:p>
-          <a:p>
-            <a:pPr lvl="1"/>
-            <a:r>
-              <a:rPr lang="en-US" smtClean="0"/>
-              <a:t>Second level</a:t>
-            </a:r>
-          </a:p>
-          <a:p>
-            <a:pPr lvl="2"/>
-            <a:r>
-              <a:rPr lang="en-US" smtClean="0"/>
-              <a:t>Third level</a:t>
-            </a:r>
-          </a:p>
-          <a:p>
-            <a:pPr lvl="3"/>
-            <a:r>
-              <a:rPr lang="en-US" smtClean="0"/>
-              <a:t>Fourth level</a:t>
-            </a:r>
-          </a:p>
-          <a:p>
-            <a:pPr lvl="4"/>
-            <a:r>
-              <a:rPr lang="en-US" smtClean="0"/>
-              <a:t>Fifth level</a:t>
-            </a:r>
-            <a:endParaRPr lang="en-US" dirty="0"/>
-          </a:p>
-        </p:txBody>
-      </p:sp>
-      <p:sp>
-        <p:nvSpPr>
-          <p:cNvPr id="4" name="Date Placeholder 3"/>
-          <p:cNvSpPr>
-            <a:spLocks noGrp="1"/>
-          </p:cNvSpPr>
-          <p:nvPr>
-            <p:ph type="dt" sz="half" idx="10"/>
-          </p:nvPr>
-        </p:nvSpPr>
-        <p:spPr/>
-        <p:txBody>
-          <a:bodyPr/>
-          <a:lstStyle/>
-          <a:p>
-            <a:fld id="{38E97ED1-DACA-4162-837B-14E97D404B6E}" type="datetime1">
-              <a:rPr lang="en-US" smtClean="0"/>
-              <a:t>3/21/2019</a:t>
+              <a:t>3/25/2019</a:t>
             </a:fld>
             <a:endParaRPr lang="en-US" dirty="0"/>
           </a:p>
@@ -5969,375 +5981,20 @@
     </p:spTree>
     <p:extLst>
       <p:ext uri="{BB962C8B-B14F-4D97-AF65-F5344CB8AC3E}">
-        <p14:creationId xmlns:p14="http://schemas.microsoft.com/office/powerpoint/2010/main" val="658203013"/>
+        <p14:creationId xmlns:p14="http://schemas.microsoft.com/office/powerpoint/2010/main" val="2888663903"/>
       </p:ext>
     </p:extLst>
   </p:cSld>
   <p:clrMapOvr>
     <a:masterClrMapping/>
   </p:clrMapOvr>
-</p:sldLayout>
-</file>
-
-<file path=ppt/slideLayouts/slideLayout18.xml><?xml version="1.0" encoding="utf-8"?>
-<p:sldLayout xmlns:a="http://schemas.openxmlformats.org/drawingml/2006/main" xmlns:r="http://schemas.openxmlformats.org/officeDocument/2006/relationships" xmlns:p="http://schemas.openxmlformats.org/presentationml/2006/main" matchingName="Title and body" type="tx">
-  <p:cSld name="Title and body">
-    <p:spTree>
-      <p:nvGrpSpPr>
-        <p:cNvPr id="1" name="Shape 16"/>
-        <p:cNvGrpSpPr/>
-        <p:nvPr/>
-      </p:nvGrpSpPr>
-      <p:grpSpPr>
-        <a:xfrm>
-          <a:off x="0" y="0"/>
-          <a:ext cx="0" cy="0"/>
-          <a:chOff x="0" y="0"/>
-          <a:chExt cx="0" cy="0"/>
-        </a:xfrm>
-      </p:grpSpPr>
-      <p:sp>
-        <p:nvSpPr>
-          <p:cNvPr id="17" name="Google Shape;17;p4"/>
-          <p:cNvSpPr txBox="1">
-            <a:spLocks noGrp="1"/>
-          </p:cNvSpPr>
-          <p:nvPr>
-            <p:ph type="title"/>
-          </p:nvPr>
-        </p:nvSpPr>
-        <p:spPr>
-          <a:xfrm>
-            <a:off x="311700" y="593367"/>
-            <a:ext cx="8520600" cy="763600"/>
-          </a:xfrm>
-          <a:prstGeom prst="rect">
-            <a:avLst/>
-          </a:prstGeom>
-        </p:spPr>
-        <p:txBody>
-          <a:bodyPr spcFirstLastPara="1" wrap="square" lIns="91425" tIns="91425" rIns="91425" bIns="91425" anchor="t" anchorCtr="0"/>
-          <a:lstStyle>
-            <a:lvl1pPr lvl="0">
-              <a:spcBef>
-                <a:spcPts val="0"/>
-              </a:spcBef>
-              <a:spcAft>
-                <a:spcPts val="0"/>
-              </a:spcAft>
-              <a:buSzPts val="2800"/>
-              <a:buNone/>
-              <a:defRPr/>
-            </a:lvl1pPr>
-            <a:lvl2pPr lvl="1">
-              <a:spcBef>
-                <a:spcPts val="0"/>
-              </a:spcBef>
-              <a:spcAft>
-                <a:spcPts val="0"/>
-              </a:spcAft>
-              <a:buSzPts val="2800"/>
-              <a:buNone/>
-              <a:defRPr/>
-            </a:lvl2pPr>
-            <a:lvl3pPr lvl="2">
-              <a:spcBef>
-                <a:spcPts val="0"/>
-              </a:spcBef>
-              <a:spcAft>
-                <a:spcPts val="0"/>
-              </a:spcAft>
-              <a:buSzPts val="2800"/>
-              <a:buNone/>
-              <a:defRPr/>
-            </a:lvl3pPr>
-            <a:lvl4pPr lvl="3">
-              <a:spcBef>
-                <a:spcPts val="0"/>
-              </a:spcBef>
-              <a:spcAft>
-                <a:spcPts val="0"/>
-              </a:spcAft>
-              <a:buSzPts val="2800"/>
-              <a:buNone/>
-              <a:defRPr/>
-            </a:lvl4pPr>
-            <a:lvl5pPr lvl="4">
-              <a:spcBef>
-                <a:spcPts val="0"/>
-              </a:spcBef>
-              <a:spcAft>
-                <a:spcPts val="0"/>
-              </a:spcAft>
-              <a:buSzPts val="2800"/>
-              <a:buNone/>
-              <a:defRPr/>
-            </a:lvl5pPr>
-            <a:lvl6pPr lvl="5">
-              <a:spcBef>
-                <a:spcPts val="0"/>
-              </a:spcBef>
-              <a:spcAft>
-                <a:spcPts val="0"/>
-              </a:spcAft>
-              <a:buSzPts val="2800"/>
-              <a:buNone/>
-              <a:defRPr/>
-            </a:lvl6pPr>
-            <a:lvl7pPr lvl="6">
-              <a:spcBef>
-                <a:spcPts val="0"/>
-              </a:spcBef>
-              <a:spcAft>
-                <a:spcPts val="0"/>
-              </a:spcAft>
-              <a:buSzPts val="2800"/>
-              <a:buNone/>
-              <a:defRPr/>
-            </a:lvl7pPr>
-            <a:lvl8pPr lvl="7">
-              <a:spcBef>
-                <a:spcPts val="0"/>
-              </a:spcBef>
-              <a:spcAft>
-                <a:spcPts val="0"/>
-              </a:spcAft>
-              <a:buSzPts val="2800"/>
-              <a:buNone/>
-              <a:defRPr/>
-            </a:lvl8pPr>
-            <a:lvl9pPr lvl="8">
-              <a:spcBef>
-                <a:spcPts val="0"/>
-              </a:spcBef>
-              <a:spcAft>
-                <a:spcPts val="0"/>
-              </a:spcAft>
-              <a:buSzPts val="2800"/>
-              <a:buNone/>
-              <a:defRPr/>
-            </a:lvl9pPr>
-          </a:lstStyle>
-          <a:p>
-            <a:endParaRPr/>
-          </a:p>
-        </p:txBody>
-      </p:sp>
-      <p:sp>
-        <p:nvSpPr>
-          <p:cNvPr id="18" name="Google Shape;18;p4"/>
-          <p:cNvSpPr txBox="1">
-            <a:spLocks noGrp="1"/>
-          </p:cNvSpPr>
-          <p:nvPr>
-            <p:ph type="body" idx="1"/>
-          </p:nvPr>
-        </p:nvSpPr>
-        <p:spPr>
-          <a:xfrm>
-            <a:off x="311700" y="1536633"/>
-            <a:ext cx="8520600" cy="4555200"/>
-          </a:xfrm>
-          <a:prstGeom prst="rect">
-            <a:avLst/>
-          </a:prstGeom>
-        </p:spPr>
-        <p:txBody>
-          <a:bodyPr spcFirstLastPara="1" wrap="square" lIns="91425" tIns="91425" rIns="91425" bIns="91425" anchor="t" anchorCtr="0"/>
-          <a:lstStyle>
-            <a:lvl1pPr marL="457200" lvl="0" indent="-342900">
-              <a:spcBef>
-                <a:spcPts val="0"/>
-              </a:spcBef>
-              <a:spcAft>
-                <a:spcPts val="0"/>
-              </a:spcAft>
-              <a:buSzPts val="1800"/>
-              <a:buChar char="●"/>
-              <a:defRPr/>
-            </a:lvl1pPr>
-            <a:lvl2pPr marL="914400" lvl="1" indent="-317500">
-              <a:spcBef>
-                <a:spcPts val="1600"/>
-              </a:spcBef>
-              <a:spcAft>
-                <a:spcPts val="0"/>
-              </a:spcAft>
-              <a:buSzPts val="1400"/>
-              <a:buChar char="○"/>
-              <a:defRPr/>
-            </a:lvl2pPr>
-            <a:lvl3pPr marL="1371600" lvl="2" indent="-317500">
-              <a:spcBef>
-                <a:spcPts val="1600"/>
-              </a:spcBef>
-              <a:spcAft>
-                <a:spcPts val="0"/>
-              </a:spcAft>
-              <a:buSzPts val="1400"/>
-              <a:buChar char="■"/>
-              <a:defRPr/>
-            </a:lvl3pPr>
-            <a:lvl4pPr marL="1828800" lvl="3" indent="-317500">
-              <a:spcBef>
-                <a:spcPts val="1600"/>
-              </a:spcBef>
-              <a:spcAft>
-                <a:spcPts val="0"/>
-              </a:spcAft>
-              <a:buSzPts val="1400"/>
-              <a:buChar char="●"/>
-              <a:defRPr/>
-            </a:lvl4pPr>
-            <a:lvl5pPr marL="2286000" lvl="4" indent="-317500">
-              <a:spcBef>
-                <a:spcPts val="1600"/>
-              </a:spcBef>
-              <a:spcAft>
-                <a:spcPts val="0"/>
-              </a:spcAft>
-              <a:buSzPts val="1400"/>
-              <a:buChar char="○"/>
-              <a:defRPr/>
-            </a:lvl5pPr>
-            <a:lvl6pPr marL="2743200" lvl="5" indent="-317500">
-              <a:spcBef>
-                <a:spcPts val="1600"/>
-              </a:spcBef>
-              <a:spcAft>
-                <a:spcPts val="0"/>
-              </a:spcAft>
-              <a:buSzPts val="1400"/>
-              <a:buChar char="■"/>
-              <a:defRPr/>
-            </a:lvl6pPr>
-            <a:lvl7pPr marL="3200400" lvl="6" indent="-317500">
-              <a:spcBef>
-                <a:spcPts val="1600"/>
-              </a:spcBef>
-              <a:spcAft>
-                <a:spcPts val="0"/>
-              </a:spcAft>
-              <a:buSzPts val="1400"/>
-              <a:buChar char="●"/>
-              <a:defRPr/>
-            </a:lvl7pPr>
-            <a:lvl8pPr marL="3657600" lvl="7" indent="-317500">
-              <a:spcBef>
-                <a:spcPts val="1600"/>
-              </a:spcBef>
-              <a:spcAft>
-                <a:spcPts val="0"/>
-              </a:spcAft>
-              <a:buSzPts val="1400"/>
-              <a:buChar char="○"/>
-              <a:defRPr/>
-            </a:lvl8pPr>
-            <a:lvl9pPr marL="4114800" lvl="8" indent="-317500">
-              <a:spcBef>
-                <a:spcPts val="1600"/>
-              </a:spcBef>
-              <a:spcAft>
-                <a:spcPts val="1600"/>
-              </a:spcAft>
-              <a:buSzPts val="1400"/>
-              <a:buChar char="■"/>
-              <a:defRPr/>
-            </a:lvl9pPr>
-          </a:lstStyle>
-          <a:p>
-            <a:endParaRPr/>
-          </a:p>
-        </p:txBody>
-      </p:sp>
-      <p:sp>
-        <p:nvSpPr>
-          <p:cNvPr id="19" name="Google Shape;19;p4"/>
-          <p:cNvSpPr txBox="1">
-            <a:spLocks noGrp="1"/>
-          </p:cNvSpPr>
-          <p:nvPr>
-            <p:ph type="sldNum" idx="12"/>
-          </p:nvPr>
-        </p:nvSpPr>
-        <p:spPr>
-          <a:xfrm>
-            <a:off x="8472458" y="6217623"/>
-            <a:ext cx="548700" cy="524800"/>
-          </a:xfrm>
-          <a:prstGeom prst="rect">
-            <a:avLst/>
-          </a:prstGeom>
-        </p:spPr>
-        <p:txBody>
-          <a:bodyPr spcFirstLastPara="1" wrap="square" lIns="91425" tIns="91425" rIns="91425" bIns="91425" anchor="ctr" anchorCtr="0">
-            <a:noAutofit/>
-          </a:bodyPr>
-          <a:lstStyle>
-            <a:lvl1pPr lvl="0">
-              <a:buNone/>
-              <a:defRPr/>
-            </a:lvl1pPr>
-            <a:lvl2pPr lvl="1">
-              <a:buNone/>
-              <a:defRPr/>
-            </a:lvl2pPr>
-            <a:lvl3pPr lvl="2">
-              <a:buNone/>
-              <a:defRPr/>
-            </a:lvl3pPr>
-            <a:lvl4pPr lvl="3">
-              <a:buNone/>
-              <a:defRPr/>
-            </a:lvl4pPr>
-            <a:lvl5pPr lvl="4">
-              <a:buNone/>
-              <a:defRPr/>
-            </a:lvl5pPr>
-            <a:lvl6pPr lvl="5">
-              <a:buNone/>
-              <a:defRPr/>
-            </a:lvl6pPr>
-            <a:lvl7pPr lvl="6">
-              <a:buNone/>
-              <a:defRPr/>
-            </a:lvl7pPr>
-            <a:lvl8pPr lvl="7">
-              <a:buNone/>
-              <a:defRPr/>
-            </a:lvl8pPr>
-            <a:lvl9pPr lvl="8">
-              <a:buNone/>
-              <a:defRPr/>
-            </a:lvl9pPr>
-          </a:lstStyle>
-          <a:p>
-            <a:pPr algn="r"/>
-            <a:fld id="{00000000-1234-1234-1234-123412341234}" type="slidenum">
-              <a:rPr lang="en" smtClean="0"/>
-              <a:pPr algn="r"/>
-              <a:t>‹#›</a:t>
-            </a:fld>
-            <a:endParaRPr lang="en"/>
-          </a:p>
-        </p:txBody>
-      </p:sp>
-    </p:spTree>
-    <p:extLst>
-      <p:ext uri="{BB962C8B-B14F-4D97-AF65-F5344CB8AC3E}">
-        <p14:creationId xmlns:p14="http://schemas.microsoft.com/office/powerpoint/2010/main" val="4167530957"/>
-      </p:ext>
-    </p:extLst>
-  </p:cSld>
-  <p:clrMapOvr>
-    <a:masterClrMapping/>
-  </p:clrMapOvr>
+  <p:hf hdr="0" ftr="0" dt="0"/>
 </p:sldLayout>
 </file>
 
 <file path=ppt/slideLayouts/slideLayout2.xml><?xml version="1.0" encoding="utf-8"?>
 <p:sldLayout xmlns:a="http://schemas.openxmlformats.org/drawingml/2006/main" xmlns:r="http://schemas.openxmlformats.org/officeDocument/2006/relationships" xmlns:p="http://schemas.openxmlformats.org/presentationml/2006/main" type="obj" preserve="1">
-  <p:cSld name="Title and Content">
+  <p:cSld name="ชื่อเรื่องและเนื้อหา">
     <p:spTree>
       <p:nvGrpSpPr>
         <p:cNvPr id="1" name=""/>
@@ -6368,83 +6025,83 @@
           <a:lstStyle/>
           <a:p>
             <a:r>
+              <a:rPr lang="th-TH"/>
+              <a:t>คลิกเพื่อแก้ไขสไตล์ชื่อเรื่องต้นแบบ</a:t>
+            </a:r>
+            <a:endParaRPr lang="en-US" dirty="0"/>
+          </a:p>
+        </p:txBody>
+      </p:sp>
+      <p:sp>
+        <p:nvSpPr>
+          <p:cNvPr id="3" name="Content Placeholder 2"/>
+          <p:cNvSpPr>
+            <a:spLocks noGrp="1"/>
+          </p:cNvSpPr>
+          <p:nvPr>
+            <p:ph idx="1"/>
+          </p:nvPr>
+        </p:nvSpPr>
+        <p:spPr/>
+        <p:txBody>
+          <a:bodyPr/>
+          <a:lstStyle/>
+          <a:p>
+            <a:pPr lvl="0"/>
+            <a:r>
+              <a:rPr lang="th-TH"/>
+              <a:t>คลิกเพื่อแก้ไขสไตล์ของข้อความต้นแบบ</a:t>
+            </a:r>
+          </a:p>
+          <a:p>
+            <a:pPr lvl="1"/>
+            <a:r>
+              <a:rPr lang="th-TH"/>
+              <a:t>ระดับที่สอง</a:t>
+            </a:r>
+          </a:p>
+          <a:p>
+            <a:pPr lvl="2"/>
+            <a:r>
+              <a:rPr lang="th-TH"/>
+              <a:t>ระดับที่สาม</a:t>
+            </a:r>
+          </a:p>
+          <a:p>
+            <a:pPr lvl="3"/>
+            <a:r>
+              <a:rPr lang="th-TH"/>
+              <a:t>ระดับที่สี่</a:t>
+            </a:r>
+          </a:p>
+          <a:p>
+            <a:pPr lvl="4"/>
+            <a:r>
+              <a:rPr lang="th-TH"/>
+              <a:t>ระดับที่ห้า</a:t>
+            </a:r>
+            <a:endParaRPr lang="en-US" dirty="0"/>
+          </a:p>
+        </p:txBody>
+      </p:sp>
+      <p:sp>
+        <p:nvSpPr>
+          <p:cNvPr id="4" name="Date Placeholder 3"/>
+          <p:cNvSpPr>
+            <a:spLocks noGrp="1"/>
+          </p:cNvSpPr>
+          <p:nvPr>
+            <p:ph type="dt" sz="half" idx="10"/>
+          </p:nvPr>
+        </p:nvSpPr>
+        <p:spPr/>
+        <p:txBody>
+          <a:bodyPr/>
+          <a:lstStyle/>
+          <a:p>
+            <a:fld id="{B6D7C078-ECBE-42C1-8A02-606F7E73FAE4}" type="datetime1">
               <a:rPr lang="en-US" smtClean="0"/>
-              <a:t>Click to edit Master title style</a:t>
-            </a:r>
-            <a:endParaRPr lang="en-US" dirty="0"/>
-          </a:p>
-        </p:txBody>
-      </p:sp>
-      <p:sp>
-        <p:nvSpPr>
-          <p:cNvPr id="3" name="Content Placeholder 2"/>
-          <p:cNvSpPr>
-            <a:spLocks noGrp="1"/>
-          </p:cNvSpPr>
-          <p:nvPr>
-            <p:ph idx="1"/>
-          </p:nvPr>
-        </p:nvSpPr>
-        <p:spPr/>
-        <p:txBody>
-          <a:bodyPr/>
-          <a:lstStyle/>
-          <a:p>
-            <a:pPr lvl="0"/>
-            <a:r>
-              <a:rPr lang="en-US" smtClean="0"/>
-              <a:t>Click to edit Master text styles</a:t>
-            </a:r>
-          </a:p>
-          <a:p>
-            <a:pPr lvl="1"/>
-            <a:r>
-              <a:rPr lang="en-US" smtClean="0"/>
-              <a:t>Second level</a:t>
-            </a:r>
-          </a:p>
-          <a:p>
-            <a:pPr lvl="2"/>
-            <a:r>
-              <a:rPr lang="en-US" smtClean="0"/>
-              <a:t>Third level</a:t>
-            </a:r>
-          </a:p>
-          <a:p>
-            <a:pPr lvl="3"/>
-            <a:r>
-              <a:rPr lang="en-US" smtClean="0"/>
-              <a:t>Fourth level</a:t>
-            </a:r>
-          </a:p>
-          <a:p>
-            <a:pPr lvl="4"/>
-            <a:r>
-              <a:rPr lang="en-US" smtClean="0"/>
-              <a:t>Fifth level</a:t>
-            </a:r>
-            <a:endParaRPr lang="en-US" dirty="0"/>
-          </a:p>
-        </p:txBody>
-      </p:sp>
-      <p:sp>
-        <p:nvSpPr>
-          <p:cNvPr id="4" name="Date Placeholder 3"/>
-          <p:cNvSpPr>
-            <a:spLocks noGrp="1"/>
-          </p:cNvSpPr>
-          <p:nvPr>
-            <p:ph type="dt" sz="half" idx="10"/>
-          </p:nvPr>
-        </p:nvSpPr>
-        <p:spPr/>
-        <p:txBody>
-          <a:bodyPr/>
-          <a:lstStyle/>
-          <a:p>
-            <a:fld id="{53F33743-14A0-479B-8BD2-B5DBFA275EDF}" type="datetime1">
-              <a:rPr lang="en-US" smtClean="0"/>
-              <a:t>3/21/2019</a:t>
+              <a:t>3/25/2019</a:t>
             </a:fld>
             <a:endParaRPr lang="en-US" dirty="0"/>
           </a:p>
@@ -6495,26 +6152,20 @@
     </p:spTree>
     <p:extLst>
       <p:ext uri="{BB962C8B-B14F-4D97-AF65-F5344CB8AC3E}">
-        <p14:creationId xmlns:p14="http://schemas.microsoft.com/office/powerpoint/2010/main" val="1222725514"/>
+        <p14:creationId xmlns:p14="http://schemas.microsoft.com/office/powerpoint/2010/main" val="529694705"/>
       </p:ext>
     </p:extLst>
   </p:cSld>
   <p:clrMapOvr>
     <a:masterClrMapping/>
   </p:clrMapOvr>
-  <p:timing>
-    <p:tnLst>
-      <p:par>
-        <p:cTn id="1" dur="indefinite" restart="never" nodeType="tmRoot"/>
-      </p:par>
-    </p:tnLst>
-  </p:timing>
+  <p:hf hdr="0" ftr="0" dt="0"/>
 </p:sldLayout>
 </file>
 
 <file path=ppt/slideLayouts/slideLayout3.xml><?xml version="1.0" encoding="utf-8"?>
 <p:sldLayout xmlns:a="http://schemas.openxmlformats.org/drawingml/2006/main" xmlns:r="http://schemas.openxmlformats.org/officeDocument/2006/relationships" xmlns:p="http://schemas.openxmlformats.org/presentationml/2006/main" type="secHead" preserve="1">
-  <p:cSld name="Section Header">
+  <p:cSld name="ส่วนหัวของส่วน">
     <p:spTree>
       <p:nvGrpSpPr>
         <p:cNvPr id="1" name=""/>
@@ -6541,8 +6192,8 @@
         </p:nvSpPr>
         <p:spPr>
           <a:xfrm>
-            <a:off x="866443" y="2861734"/>
-            <a:ext cx="6620967" cy="1915647"/>
+            <a:off x="1154956" y="2861733"/>
+            <a:ext cx="8825657" cy="1915647"/>
           </a:xfrm>
         </p:spPr>
         <p:txBody>
@@ -6554,8 +6205,8 @@
           </a:lstStyle>
           <a:p>
             <a:r>
-              <a:rPr lang="en-US" smtClean="0"/>
-              <a:t>Click to edit Master title style</a:t>
+              <a:rPr lang="th-TH"/>
+              <a:t>คลิกเพื่อแก้ไขสไตล์ชื่อเรื่องต้นแบบ</a:t>
             </a:r>
             <a:endParaRPr lang="en-US" dirty="0"/>
           </a:p>
@@ -6573,8 +6224,8 @@
         </p:nvSpPr>
         <p:spPr>
           <a:xfrm>
-            <a:off x="866442" y="4777381"/>
-            <a:ext cx="6620968" cy="860400"/>
+            <a:off x="1154955" y="4777381"/>
+            <a:ext cx="8825658" cy="860400"/>
           </a:xfrm>
         </p:spPr>
         <p:txBody>
@@ -6672,30 +6323,30 @@
           <a:p>
             <a:pPr lvl="0"/>
             <a:r>
+              <a:rPr lang="th-TH"/>
+              <a:t>คลิกเพื่อแก้ไขสไตล์ของข้อความต้นแบบ</a:t>
+            </a:r>
+          </a:p>
+        </p:txBody>
+      </p:sp>
+      <p:sp>
+        <p:nvSpPr>
+          <p:cNvPr id="4" name="Date Placeholder 3"/>
+          <p:cNvSpPr>
+            <a:spLocks noGrp="1"/>
+          </p:cNvSpPr>
+          <p:nvPr>
+            <p:ph type="dt" sz="half" idx="10"/>
+          </p:nvPr>
+        </p:nvSpPr>
+        <p:spPr/>
+        <p:txBody>
+          <a:bodyPr/>
+          <a:lstStyle/>
+          <a:p>
+            <a:fld id="{B6D7C078-ECBE-42C1-8A02-606F7E73FAE4}" type="datetime1">
               <a:rPr lang="en-US" smtClean="0"/>
-              <a:t>Click to edit Master text styles</a:t>
-            </a:r>
-          </a:p>
-        </p:txBody>
-      </p:sp>
-      <p:sp>
-        <p:nvSpPr>
-          <p:cNvPr id="4" name="Date Placeholder 3"/>
-          <p:cNvSpPr>
-            <a:spLocks noGrp="1"/>
-          </p:cNvSpPr>
-          <p:nvPr>
-            <p:ph type="dt" sz="half" idx="10"/>
-          </p:nvPr>
-        </p:nvSpPr>
-        <p:spPr/>
-        <p:txBody>
-          <a:bodyPr/>
-          <a:lstStyle/>
-          <a:p>
-            <a:fld id="{F8D035D6-BC71-4EBC-81B6-A8495D75785A}" type="datetime1">
-              <a:rPr lang="en-US" smtClean="0"/>
-              <a:t>3/21/2019</a:t>
+              <a:t>3/25/2019</a:t>
             </a:fld>
             <a:endParaRPr lang="en-US" dirty="0"/>
           </a:p>
@@ -6746,19 +6397,20 @@
     </p:spTree>
     <p:extLst>
       <p:ext uri="{BB962C8B-B14F-4D97-AF65-F5344CB8AC3E}">
-        <p14:creationId xmlns:p14="http://schemas.microsoft.com/office/powerpoint/2010/main" val="620616350"/>
+        <p14:creationId xmlns:p14="http://schemas.microsoft.com/office/powerpoint/2010/main" val="143557693"/>
       </p:ext>
     </p:extLst>
   </p:cSld>
   <p:clrMapOvr>
     <a:masterClrMapping/>
   </p:clrMapOvr>
+  <p:hf hdr="0" ftr="0" dt="0"/>
 </p:sldLayout>
 </file>
 
 <file path=ppt/slideLayouts/slideLayout4.xml><?xml version="1.0" encoding="utf-8"?>
 <p:sldLayout xmlns:a="http://schemas.openxmlformats.org/drawingml/2006/main" xmlns:r="http://schemas.openxmlformats.org/officeDocument/2006/relationships" xmlns:p="http://schemas.openxmlformats.org/presentationml/2006/main" type="twoObj" preserve="1">
-  <p:cSld name="Two Content">
+  <p:cSld name="เนื้อหา 2 ส่วน">
     <p:spTree>
       <p:nvGrpSpPr>
         <p:cNvPr id="1" name=""/>
@@ -6789,8 +6441,8 @@
           <a:lstStyle/>
           <a:p>
             <a:r>
-              <a:rPr lang="en-US" smtClean="0"/>
-              <a:t>Click to edit Master title style</a:t>
+              <a:rPr lang="th-TH"/>
+              <a:t>คลิกเพื่อแก้ไขสไตล์ชื่อเรื่องต้นแบบ</a:t>
             </a:r>
             <a:endParaRPr lang="en-US" dirty="0"/>
           </a:p>
@@ -6808,8 +6460,8 @@
         </p:nvSpPr>
         <p:spPr>
           <a:xfrm>
-            <a:off x="827700" y="2060576"/>
-            <a:ext cx="3298113" cy="4195763"/>
+            <a:off x="1103312" y="2060575"/>
+            <a:ext cx="4396339" cy="4195763"/>
           </a:xfrm>
         </p:spPr>
         <p:txBody>
@@ -6848,36 +6500,36 @@
           <a:p>
             <a:pPr lvl="0"/>
             <a:r>
-              <a:rPr lang="en-US" smtClean="0"/>
-              <a:t>Click to edit Master text styles</a:t>
+              <a:rPr lang="th-TH"/>
+              <a:t>คลิกเพื่อแก้ไขสไตล์ของข้อความต้นแบบ</a:t>
             </a:r>
           </a:p>
           <a:p>
             <a:pPr lvl="1"/>
             <a:r>
-              <a:rPr lang="en-US" smtClean="0"/>
-              <a:t>Second level</a:t>
+              <a:rPr lang="th-TH"/>
+              <a:t>ระดับที่สอง</a:t>
             </a:r>
           </a:p>
           <a:p>
             <a:pPr lvl="2"/>
             <a:r>
-              <a:rPr lang="en-US" smtClean="0"/>
-              <a:t>Third level</a:t>
+              <a:rPr lang="th-TH"/>
+              <a:t>ระดับที่สาม</a:t>
             </a:r>
           </a:p>
           <a:p>
             <a:pPr lvl="3"/>
             <a:r>
-              <a:rPr lang="en-US" smtClean="0"/>
-              <a:t>Fourth level</a:t>
+              <a:rPr lang="th-TH"/>
+              <a:t>ระดับที่สี่</a:t>
             </a:r>
           </a:p>
           <a:p>
             <a:pPr lvl="4"/>
             <a:r>
-              <a:rPr lang="en-US" smtClean="0"/>
-              <a:t>Fifth level</a:t>
+              <a:rPr lang="th-TH"/>
+              <a:t>ระดับที่ห้า</a:t>
             </a:r>
             <a:endParaRPr lang="en-US" dirty="0"/>
           </a:p>
@@ -6895,8 +6547,8 @@
         </p:nvSpPr>
         <p:spPr>
           <a:xfrm>
-            <a:off x="4241975" y="2056093"/>
-            <a:ext cx="3298115" cy="4200245"/>
+            <a:off x="5654493" y="2056092"/>
+            <a:ext cx="4396341" cy="4200245"/>
           </a:xfrm>
         </p:spPr>
         <p:txBody>
@@ -6935,59 +6587,59 @@
           <a:p>
             <a:pPr lvl="0"/>
             <a:r>
+              <a:rPr lang="th-TH"/>
+              <a:t>คลิกเพื่อแก้ไขสไตล์ของข้อความต้นแบบ</a:t>
+            </a:r>
+          </a:p>
+          <a:p>
+            <a:pPr lvl="1"/>
+            <a:r>
+              <a:rPr lang="th-TH"/>
+              <a:t>ระดับที่สอง</a:t>
+            </a:r>
+          </a:p>
+          <a:p>
+            <a:pPr lvl="2"/>
+            <a:r>
+              <a:rPr lang="th-TH"/>
+              <a:t>ระดับที่สาม</a:t>
+            </a:r>
+          </a:p>
+          <a:p>
+            <a:pPr lvl="3"/>
+            <a:r>
+              <a:rPr lang="th-TH"/>
+              <a:t>ระดับที่สี่</a:t>
+            </a:r>
+          </a:p>
+          <a:p>
+            <a:pPr lvl="4"/>
+            <a:r>
+              <a:rPr lang="th-TH"/>
+              <a:t>ระดับที่ห้า</a:t>
+            </a:r>
+            <a:endParaRPr lang="en-US" dirty="0"/>
+          </a:p>
+        </p:txBody>
+      </p:sp>
+      <p:sp>
+        <p:nvSpPr>
+          <p:cNvPr id="5" name="Date Placeholder 4"/>
+          <p:cNvSpPr>
+            <a:spLocks noGrp="1"/>
+          </p:cNvSpPr>
+          <p:nvPr>
+            <p:ph type="dt" sz="half" idx="10"/>
+          </p:nvPr>
+        </p:nvSpPr>
+        <p:spPr/>
+        <p:txBody>
+          <a:bodyPr/>
+          <a:lstStyle/>
+          <a:p>
+            <a:fld id="{B6D7C078-ECBE-42C1-8A02-606F7E73FAE4}" type="datetime1">
               <a:rPr lang="en-US" smtClean="0"/>
-              <a:t>Click to edit Master text styles</a:t>
-            </a:r>
-          </a:p>
-          <a:p>
-            <a:pPr lvl="1"/>
-            <a:r>
-              <a:rPr lang="en-US" smtClean="0"/>
-              <a:t>Second level</a:t>
-            </a:r>
-          </a:p>
-          <a:p>
-            <a:pPr lvl="2"/>
-            <a:r>
-              <a:rPr lang="en-US" smtClean="0"/>
-              <a:t>Third level</a:t>
-            </a:r>
-          </a:p>
-          <a:p>
-            <a:pPr lvl="3"/>
-            <a:r>
-              <a:rPr lang="en-US" smtClean="0"/>
-              <a:t>Fourth level</a:t>
-            </a:r>
-          </a:p>
-          <a:p>
-            <a:pPr lvl="4"/>
-            <a:r>
-              <a:rPr lang="en-US" smtClean="0"/>
-              <a:t>Fifth level</a:t>
-            </a:r>
-            <a:endParaRPr lang="en-US" dirty="0"/>
-          </a:p>
-        </p:txBody>
-      </p:sp>
-      <p:sp>
-        <p:nvSpPr>
-          <p:cNvPr id="5" name="Date Placeholder 4"/>
-          <p:cNvSpPr>
-            <a:spLocks noGrp="1"/>
-          </p:cNvSpPr>
-          <p:nvPr>
-            <p:ph type="dt" sz="half" idx="10"/>
-          </p:nvPr>
-        </p:nvSpPr>
-        <p:spPr/>
-        <p:txBody>
-          <a:bodyPr/>
-          <a:lstStyle/>
-          <a:p>
-            <a:fld id="{B3308294-D199-4C48-860D-E9A0ABDF5A9F}" type="datetime1">
-              <a:rPr lang="en-US" smtClean="0"/>
-              <a:t>3/21/2019</a:t>
+              <a:t>3/25/2019</a:t>
             </a:fld>
             <a:endParaRPr lang="en-US" dirty="0"/>
           </a:p>
@@ -7038,19 +6690,20 @@
     </p:spTree>
     <p:extLst>
       <p:ext uri="{BB962C8B-B14F-4D97-AF65-F5344CB8AC3E}">
-        <p14:creationId xmlns:p14="http://schemas.microsoft.com/office/powerpoint/2010/main" val="2321156902"/>
+        <p14:creationId xmlns:p14="http://schemas.microsoft.com/office/powerpoint/2010/main" val="398204687"/>
       </p:ext>
     </p:extLst>
   </p:cSld>
   <p:clrMapOvr>
     <a:masterClrMapping/>
   </p:clrMapOvr>
+  <p:hf hdr="0" ftr="0" dt="0"/>
 </p:sldLayout>
 </file>
 
 <file path=ppt/slideLayouts/slideLayout5.xml><?xml version="1.0" encoding="utf-8"?>
 <p:sldLayout xmlns:a="http://schemas.openxmlformats.org/drawingml/2006/main" xmlns:r="http://schemas.openxmlformats.org/officeDocument/2006/relationships" xmlns:p="http://schemas.openxmlformats.org/presentationml/2006/main" type="twoTxTwoObj" preserve="1">
-  <p:cSld name="Comparison">
+  <p:cSld name="การเปรียบเทียบ">
     <p:spTree>
       <p:nvGrpSpPr>
         <p:cNvPr id="1" name=""/>
@@ -7085,8 +6738,8 @@
           </a:lstStyle>
           <a:p>
             <a:r>
-              <a:rPr lang="en-US" smtClean="0"/>
-              <a:t>Click to edit Master title style</a:t>
+              <a:rPr lang="th-TH"/>
+              <a:t>คลิกเพื่อแก้ไขสไตล์ชื่อเรื่องต้นแบบ</a:t>
             </a:r>
             <a:endParaRPr lang="en-US" dirty="0"/>
           </a:p>
@@ -7104,8 +6757,8 @@
         </p:nvSpPr>
         <p:spPr>
           <a:xfrm>
-            <a:off x="827700" y="1905000"/>
-            <a:ext cx="3298112" cy="576262"/>
+            <a:off x="1103313" y="1905000"/>
+            <a:ext cx="4396338" cy="576262"/>
           </a:xfrm>
         </p:spPr>
         <p:txBody>
@@ -7157,8 +6810,8 @@
           <a:p>
             <a:pPr lvl="0"/>
             <a:r>
-              <a:rPr lang="en-US" smtClean="0"/>
-              <a:t>Click to edit Master text styles</a:t>
+              <a:rPr lang="th-TH"/>
+              <a:t>คลิกเพื่อแก้ไขสไตล์ของข้อความต้นแบบ</a:t>
             </a:r>
           </a:p>
         </p:txBody>
@@ -7175,8 +6828,8 @@
         </p:nvSpPr>
         <p:spPr>
           <a:xfrm>
-            <a:off x="827700" y="2514600"/>
-            <a:ext cx="3298113" cy="3741738"/>
+            <a:off x="1103312" y="2514600"/>
+            <a:ext cx="4396339" cy="3741738"/>
           </a:xfrm>
         </p:spPr>
         <p:txBody>
@@ -7215,36 +6868,36 @@
           <a:p>
             <a:pPr lvl="0"/>
             <a:r>
-              <a:rPr lang="en-US" smtClean="0"/>
-              <a:t>Click to edit Master text styles</a:t>
+              <a:rPr lang="th-TH"/>
+              <a:t>คลิกเพื่อแก้ไขสไตล์ของข้อความต้นแบบ</a:t>
             </a:r>
           </a:p>
           <a:p>
             <a:pPr lvl="1"/>
             <a:r>
-              <a:rPr lang="en-US" smtClean="0"/>
-              <a:t>Second level</a:t>
+              <a:rPr lang="th-TH"/>
+              <a:t>ระดับที่สอง</a:t>
             </a:r>
           </a:p>
           <a:p>
             <a:pPr lvl="2"/>
             <a:r>
-              <a:rPr lang="en-US" smtClean="0"/>
-              <a:t>Third level</a:t>
+              <a:rPr lang="th-TH"/>
+              <a:t>ระดับที่สาม</a:t>
             </a:r>
           </a:p>
           <a:p>
             <a:pPr lvl="3"/>
             <a:r>
-              <a:rPr lang="en-US" smtClean="0"/>
-              <a:t>Fourth level</a:t>
+              <a:rPr lang="th-TH"/>
+              <a:t>ระดับที่สี่</a:t>
             </a:r>
           </a:p>
           <a:p>
             <a:pPr lvl="4"/>
             <a:r>
-              <a:rPr lang="en-US" smtClean="0"/>
-              <a:t>Fifth level</a:t>
+              <a:rPr lang="th-TH"/>
+              <a:t>ระดับที่ห้า</a:t>
             </a:r>
             <a:endParaRPr lang="en-US" dirty="0"/>
           </a:p>
@@ -7262,8 +6915,8 @@
         </p:nvSpPr>
         <p:spPr>
           <a:xfrm>
-            <a:off x="4241976" y="1905000"/>
-            <a:ext cx="3298113" cy="576262"/>
+            <a:off x="5654495" y="1905000"/>
+            <a:ext cx="4396339" cy="576262"/>
           </a:xfrm>
         </p:spPr>
         <p:txBody>
@@ -7315,8 +6968,8 @@
           <a:p>
             <a:pPr lvl="0"/>
             <a:r>
-              <a:rPr lang="en-US" smtClean="0"/>
-              <a:t>Click to edit Master text styles</a:t>
+              <a:rPr lang="th-TH"/>
+              <a:t>คลิกเพื่อแก้ไขสไตล์ของข้อความต้นแบบ</a:t>
             </a:r>
           </a:p>
         </p:txBody>
@@ -7333,8 +6986,8 @@
         </p:nvSpPr>
         <p:spPr>
           <a:xfrm>
-            <a:off x="4241976" y="2514600"/>
-            <a:ext cx="3298113" cy="3741738"/>
+            <a:off x="5654495" y="2514600"/>
+            <a:ext cx="4396339" cy="3741738"/>
           </a:xfrm>
         </p:spPr>
         <p:txBody>
@@ -7373,59 +7026,59 @@
           <a:p>
             <a:pPr lvl="0"/>
             <a:r>
+              <a:rPr lang="th-TH"/>
+              <a:t>คลิกเพื่อแก้ไขสไตล์ของข้อความต้นแบบ</a:t>
+            </a:r>
+          </a:p>
+          <a:p>
+            <a:pPr lvl="1"/>
+            <a:r>
+              <a:rPr lang="th-TH"/>
+              <a:t>ระดับที่สอง</a:t>
+            </a:r>
+          </a:p>
+          <a:p>
+            <a:pPr lvl="2"/>
+            <a:r>
+              <a:rPr lang="th-TH"/>
+              <a:t>ระดับที่สาม</a:t>
+            </a:r>
+          </a:p>
+          <a:p>
+            <a:pPr lvl="3"/>
+            <a:r>
+              <a:rPr lang="th-TH"/>
+              <a:t>ระดับที่สี่</a:t>
+            </a:r>
+          </a:p>
+          <a:p>
+            <a:pPr lvl="4"/>
+            <a:r>
+              <a:rPr lang="th-TH"/>
+              <a:t>ระดับที่ห้า</a:t>
+            </a:r>
+            <a:endParaRPr lang="en-US" dirty="0"/>
+          </a:p>
+        </p:txBody>
+      </p:sp>
+      <p:sp>
+        <p:nvSpPr>
+          <p:cNvPr id="7" name="Date Placeholder 6"/>
+          <p:cNvSpPr>
+            <a:spLocks noGrp="1"/>
+          </p:cNvSpPr>
+          <p:nvPr>
+            <p:ph type="dt" sz="half" idx="10"/>
+          </p:nvPr>
+        </p:nvSpPr>
+        <p:spPr/>
+        <p:txBody>
+          <a:bodyPr/>
+          <a:lstStyle/>
+          <a:p>
+            <a:fld id="{B6D7C078-ECBE-42C1-8A02-606F7E73FAE4}" type="datetime1">
               <a:rPr lang="en-US" smtClean="0"/>
-              <a:t>Click to edit Master text styles</a:t>
-            </a:r>
-          </a:p>
-          <a:p>
-            <a:pPr lvl="1"/>
-            <a:r>
-              <a:rPr lang="en-US" smtClean="0"/>
-              <a:t>Second level</a:t>
-            </a:r>
-          </a:p>
-          <a:p>
-            <a:pPr lvl="2"/>
-            <a:r>
-              <a:rPr lang="en-US" smtClean="0"/>
-              <a:t>Third level</a:t>
-            </a:r>
-          </a:p>
-          <a:p>
-            <a:pPr lvl="3"/>
-            <a:r>
-              <a:rPr lang="en-US" smtClean="0"/>
-              <a:t>Fourth level</a:t>
-            </a:r>
-          </a:p>
-          <a:p>
-            <a:pPr lvl="4"/>
-            <a:r>
-              <a:rPr lang="en-US" smtClean="0"/>
-              <a:t>Fifth level</a:t>
-            </a:r>
-            <a:endParaRPr lang="en-US" dirty="0"/>
-          </a:p>
-        </p:txBody>
-      </p:sp>
-      <p:sp>
-        <p:nvSpPr>
-          <p:cNvPr id="7" name="Date Placeholder 6"/>
-          <p:cNvSpPr>
-            <a:spLocks noGrp="1"/>
-          </p:cNvSpPr>
-          <p:nvPr>
-            <p:ph type="dt" sz="half" idx="10"/>
-          </p:nvPr>
-        </p:nvSpPr>
-        <p:spPr/>
-        <p:txBody>
-          <a:bodyPr/>
-          <a:lstStyle/>
-          <a:p>
-            <a:fld id="{5A531920-9FF1-4E4F-A369-41923276E73B}" type="datetime1">
-              <a:rPr lang="en-US" smtClean="0"/>
-              <a:t>3/21/2019</a:t>
+              <a:t>3/25/2019</a:t>
             </a:fld>
             <a:endParaRPr lang="en-US" dirty="0"/>
           </a:p>
@@ -7476,19 +7129,20 @@
     </p:spTree>
     <p:extLst>
       <p:ext uri="{BB962C8B-B14F-4D97-AF65-F5344CB8AC3E}">
-        <p14:creationId xmlns:p14="http://schemas.microsoft.com/office/powerpoint/2010/main" val="2015889118"/>
+        <p14:creationId xmlns:p14="http://schemas.microsoft.com/office/powerpoint/2010/main" val="104384216"/>
       </p:ext>
     </p:extLst>
   </p:cSld>
   <p:clrMapOvr>
     <a:masterClrMapping/>
   </p:clrMapOvr>
+  <p:hf hdr="0" ftr="0" dt="0"/>
 </p:sldLayout>
 </file>
 
 <file path=ppt/slideLayouts/slideLayout6.xml><?xml version="1.0" encoding="utf-8"?>
 <p:sldLayout xmlns:a="http://schemas.openxmlformats.org/drawingml/2006/main" xmlns:r="http://schemas.openxmlformats.org/officeDocument/2006/relationships" xmlns:p="http://schemas.openxmlformats.org/presentationml/2006/main" type="titleOnly" preserve="1">
-  <p:cSld name="Title Only">
+  <p:cSld name="เฉพาะชื่อเรื่อง">
     <p:spTree>
       <p:nvGrpSpPr>
         <p:cNvPr id="1" name=""/>
@@ -7519,31 +7173,31 @@
           <a:lstStyle/>
           <a:p>
             <a:r>
+              <a:rPr lang="th-TH"/>
+              <a:t>คลิกเพื่อแก้ไขสไตล์ชื่อเรื่องต้นแบบ</a:t>
+            </a:r>
+            <a:endParaRPr lang="en-US" dirty="0"/>
+          </a:p>
+        </p:txBody>
+      </p:sp>
+      <p:sp>
+        <p:nvSpPr>
+          <p:cNvPr id="7" name="Date Placeholder 2"/>
+          <p:cNvSpPr>
+            <a:spLocks noGrp="1"/>
+          </p:cNvSpPr>
+          <p:nvPr>
+            <p:ph type="dt" sz="half" idx="10"/>
+          </p:nvPr>
+        </p:nvSpPr>
+        <p:spPr/>
+        <p:txBody>
+          <a:bodyPr/>
+          <a:lstStyle/>
+          <a:p>
+            <a:fld id="{B6D7C078-ECBE-42C1-8A02-606F7E73FAE4}" type="datetime1">
               <a:rPr lang="en-US" smtClean="0"/>
-              <a:t>Click to edit Master title style</a:t>
-            </a:r>
-            <a:endParaRPr lang="en-US" dirty="0"/>
-          </a:p>
-        </p:txBody>
-      </p:sp>
-      <p:sp>
-        <p:nvSpPr>
-          <p:cNvPr id="7" name="Date Placeholder 2"/>
-          <p:cNvSpPr>
-            <a:spLocks noGrp="1"/>
-          </p:cNvSpPr>
-          <p:nvPr>
-            <p:ph type="dt" sz="half" idx="10"/>
-          </p:nvPr>
-        </p:nvSpPr>
-        <p:spPr/>
-        <p:txBody>
-          <a:bodyPr/>
-          <a:lstStyle/>
-          <a:p>
-            <a:fld id="{B8D88768-4CF6-4BC0-B7D7-813ACF0ECCAC}" type="datetime1">
-              <a:rPr lang="en-US" smtClean="0"/>
-              <a:t>3/21/2019</a:t>
+              <a:t>3/25/2019</a:t>
             </a:fld>
             <a:endParaRPr lang="en-US" dirty="0"/>
           </a:p>
@@ -7594,19 +7248,20 @@
     </p:spTree>
     <p:extLst>
       <p:ext uri="{BB962C8B-B14F-4D97-AF65-F5344CB8AC3E}">
-        <p14:creationId xmlns:p14="http://schemas.microsoft.com/office/powerpoint/2010/main" val="921489312"/>
+        <p14:creationId xmlns:p14="http://schemas.microsoft.com/office/powerpoint/2010/main" val="7490872"/>
       </p:ext>
     </p:extLst>
   </p:cSld>
   <p:clrMapOvr>
     <a:masterClrMapping/>
   </p:clrMapOvr>
+  <p:hf hdr="0" ftr="0" dt="0"/>
 </p:sldLayout>
 </file>
 
 <file path=ppt/slideLayouts/slideLayout7.xml><?xml version="1.0" encoding="utf-8"?>
 <p:sldLayout xmlns:a="http://schemas.openxmlformats.org/drawingml/2006/main" xmlns:r="http://schemas.openxmlformats.org/officeDocument/2006/relationships" xmlns:p="http://schemas.openxmlformats.org/presentationml/2006/main" type="blank" preserve="1">
-  <p:cSld name="Blank">
+  <p:cSld name="ว่างเปล่า">
     <p:spTree>
       <p:nvGrpSpPr>
         <p:cNvPr id="1" name=""/>
@@ -7636,9 +7291,9 @@
           <a:bodyPr/>
           <a:lstStyle/>
           <a:p>
-            <a:fld id="{7C485E16-3A45-45D1-AF43-D485C48B0C9E}" type="datetime1">
+            <a:fld id="{B6D7C078-ECBE-42C1-8A02-606F7E73FAE4}" type="datetime1">
               <a:rPr lang="en-US" smtClean="0"/>
-              <a:t>3/21/2019</a:t>
+              <a:t>3/25/2019</a:t>
             </a:fld>
             <a:endParaRPr lang="en-US" dirty="0"/>
           </a:p>
@@ -7689,19 +7344,20 @@
     </p:spTree>
     <p:extLst>
       <p:ext uri="{BB962C8B-B14F-4D97-AF65-F5344CB8AC3E}">
-        <p14:creationId xmlns:p14="http://schemas.microsoft.com/office/powerpoint/2010/main" val="447588143"/>
+        <p14:creationId xmlns:p14="http://schemas.microsoft.com/office/powerpoint/2010/main" val="2848181015"/>
       </p:ext>
     </p:extLst>
   </p:cSld>
   <p:clrMapOvr>
     <a:masterClrMapping/>
   </p:clrMapOvr>
+  <p:hf hdr="0" ftr="0" dt="0"/>
 </p:sldLayout>
 </file>
 
 <file path=ppt/slideLayouts/slideLayout8.xml><?xml version="1.0" encoding="utf-8"?>
 <p:sldLayout xmlns:a="http://schemas.openxmlformats.org/drawingml/2006/main" xmlns:r="http://schemas.openxmlformats.org/officeDocument/2006/relationships" xmlns:p="http://schemas.openxmlformats.org/presentationml/2006/main" type="objTx" preserve="1">
-  <p:cSld name="Content with Caption">
+  <p:cSld name="เนื้อหาพร้อมคำอธิบายภาพ">
     <p:spTree>
       <p:nvGrpSpPr>
         <p:cNvPr id="1" name=""/>
@@ -7728,8 +7384,8 @@
         </p:nvSpPr>
         <p:spPr>
           <a:xfrm>
-            <a:off x="866441" y="1447800"/>
-            <a:ext cx="2551462" cy="1447800"/>
+            <a:off x="1154954" y="1447800"/>
+            <a:ext cx="3401064" cy="1447800"/>
           </a:xfrm>
         </p:spPr>
         <p:txBody>
@@ -7741,8 +7397,8 @@
           </a:lstStyle>
           <a:p>
             <a:r>
-              <a:rPr lang="en-US" smtClean="0"/>
-              <a:t>Click to edit Master title style</a:t>
+              <a:rPr lang="th-TH"/>
+              <a:t>คลิกเพื่อแก้ไขสไตล์ชื่อเรื่องต้นแบบ</a:t>
             </a:r>
             <a:endParaRPr lang="en-US" dirty="0"/>
           </a:p>
@@ -7760,8 +7416,8 @@
         </p:nvSpPr>
         <p:spPr>
           <a:xfrm>
-            <a:off x="3589397" y="1447800"/>
-            <a:ext cx="3898013" cy="4572000"/>
+            <a:off x="4784616" y="1447800"/>
+            <a:ext cx="5195997" cy="4572000"/>
           </a:xfrm>
         </p:spPr>
         <p:txBody>
@@ -7800,36 +7456,36 @@
           <a:p>
             <a:pPr lvl="0"/>
             <a:r>
-              <a:rPr lang="en-US" smtClean="0"/>
-              <a:t>Click to edit Master text styles</a:t>
+              <a:rPr lang="th-TH"/>
+              <a:t>คลิกเพื่อแก้ไขสไตล์ของข้อความต้นแบบ</a:t>
             </a:r>
           </a:p>
           <a:p>
             <a:pPr lvl="1"/>
             <a:r>
-              <a:rPr lang="en-US" smtClean="0"/>
-              <a:t>Second level</a:t>
+              <a:rPr lang="th-TH"/>
+              <a:t>ระดับที่สอง</a:t>
             </a:r>
           </a:p>
           <a:p>
             <a:pPr lvl="2"/>
             <a:r>
-              <a:rPr lang="en-US" smtClean="0"/>
-              <a:t>Third level</a:t>
+              <a:rPr lang="th-TH"/>
+              <a:t>ระดับที่สาม</a:t>
             </a:r>
           </a:p>
           <a:p>
             <a:pPr lvl="3"/>
             <a:r>
-              <a:rPr lang="en-US" smtClean="0"/>
-              <a:t>Fourth level</a:t>
+              <a:rPr lang="th-TH"/>
+              <a:t>ระดับที่สี่</a:t>
             </a:r>
           </a:p>
           <a:p>
             <a:pPr lvl="4"/>
             <a:r>
-              <a:rPr lang="en-US" smtClean="0"/>
-              <a:t>Fifth level</a:t>
+              <a:rPr lang="th-TH"/>
+              <a:t>ระดับที่ห้า</a:t>
             </a:r>
             <a:endParaRPr lang="en-US" dirty="0"/>
           </a:p>
@@ -7847,8 +7503,8 @@
         </p:nvSpPr>
         <p:spPr>
           <a:xfrm>
-            <a:off x="866441" y="3129281"/>
-            <a:ext cx="2551462" cy="2895599"/>
+            <a:off x="1154954" y="3129280"/>
+            <a:ext cx="3401063" cy="2895599"/>
           </a:xfrm>
         </p:spPr>
         <p:txBody>
@@ -7894,30 +7550,30 @@
           <a:p>
             <a:pPr lvl="0"/>
             <a:r>
+              <a:rPr lang="th-TH"/>
+              <a:t>คลิกเพื่อแก้ไขสไตล์ของข้อความต้นแบบ</a:t>
+            </a:r>
+          </a:p>
+        </p:txBody>
+      </p:sp>
+      <p:sp>
+        <p:nvSpPr>
+          <p:cNvPr id="7" name="Date Placeholder 4"/>
+          <p:cNvSpPr>
+            <a:spLocks noGrp="1"/>
+          </p:cNvSpPr>
+          <p:nvPr>
+            <p:ph type="dt" sz="half" idx="10"/>
+          </p:nvPr>
+        </p:nvSpPr>
+        <p:spPr/>
+        <p:txBody>
+          <a:bodyPr/>
+          <a:lstStyle/>
+          <a:p>
+            <a:fld id="{B6D7C078-ECBE-42C1-8A02-606F7E73FAE4}" type="datetime1">
               <a:rPr lang="en-US" smtClean="0"/>
-              <a:t>Click to edit Master text styles</a:t>
-            </a:r>
-          </a:p>
-        </p:txBody>
-      </p:sp>
-      <p:sp>
-        <p:nvSpPr>
-          <p:cNvPr id="7" name="Date Placeholder 4"/>
-          <p:cNvSpPr>
-            <a:spLocks noGrp="1"/>
-          </p:cNvSpPr>
-          <p:nvPr>
-            <p:ph type="dt" sz="half" idx="10"/>
-          </p:nvPr>
-        </p:nvSpPr>
-        <p:spPr/>
-        <p:txBody>
-          <a:bodyPr/>
-          <a:lstStyle/>
-          <a:p>
-            <a:fld id="{83F9B921-2973-4B0A-A1B2-FF4974F4FABC}" type="datetime1">
-              <a:rPr lang="en-US" smtClean="0"/>
-              <a:t>3/21/2019</a:t>
+              <a:t>3/25/2019</a:t>
             </a:fld>
             <a:endParaRPr lang="en-US" dirty="0"/>
           </a:p>
@@ -7968,19 +7624,20 @@
     </p:spTree>
     <p:extLst>
       <p:ext uri="{BB962C8B-B14F-4D97-AF65-F5344CB8AC3E}">
-        <p14:creationId xmlns:p14="http://schemas.microsoft.com/office/powerpoint/2010/main" val="3428364202"/>
+        <p14:creationId xmlns:p14="http://schemas.microsoft.com/office/powerpoint/2010/main" val="2236876736"/>
       </p:ext>
     </p:extLst>
   </p:cSld>
   <p:clrMapOvr>
     <a:masterClrMapping/>
   </p:clrMapOvr>
+  <p:hf hdr="0" ftr="0" dt="0"/>
 </p:sldLayout>
 </file>
 
 <file path=ppt/slideLayouts/slideLayout9.xml><?xml version="1.0" encoding="utf-8"?>
 <p:sldLayout xmlns:a="http://schemas.openxmlformats.org/drawingml/2006/main" xmlns:r="http://schemas.openxmlformats.org/officeDocument/2006/relationships" xmlns:p="http://schemas.openxmlformats.org/presentationml/2006/main" type="picTx" preserve="1">
-  <p:cSld name="Picture with Caption">
+  <p:cSld name="รูปภาพพร้อมคำอธิบายภาพ">
     <p:spTree>
       <p:nvGrpSpPr>
         <p:cNvPr id="1" name=""/>
@@ -8007,8 +7664,8 @@
         </p:nvSpPr>
         <p:spPr>
           <a:xfrm>
-            <a:off x="865656" y="1854192"/>
-            <a:ext cx="3820674" cy="1574808"/>
+            <a:off x="1153907" y="1854192"/>
+            <a:ext cx="5092906" cy="1574808"/>
           </a:xfrm>
         </p:spPr>
         <p:txBody>
@@ -8022,8 +7679,8 @@
           </a:lstStyle>
           <a:p>
             <a:r>
-              <a:rPr lang="en-US" smtClean="0"/>
-              <a:t>Click to edit Master title style</a:t>
+              <a:rPr lang="th-TH"/>
+              <a:t>คลิกเพื่อแก้ไขสไตล์ชื่อเรื่องต้นแบบ</a:t>
             </a:r>
             <a:endParaRPr lang="en-US" dirty="0"/>
           </a:p>
@@ -8041,8 +7698,8 @@
         </p:nvSpPr>
         <p:spPr>
           <a:xfrm>
-            <a:off x="5213517" y="1143000"/>
-            <a:ext cx="2400925" cy="4572000"/>
+            <a:off x="6949546" y="1143000"/>
+            <a:ext cx="3200400" cy="4572000"/>
           </a:xfrm>
           <a:prstGeom prst="roundRect">
             <a:avLst>
@@ -8101,8 +7758,8 @@
           </a:lstStyle>
           <a:p>
             <a:r>
-              <a:rPr lang="en-US" smtClean="0"/>
-              <a:t>Click icon to add picture</a:t>
+              <a:rPr lang="th-TH"/>
+              <a:t>คลิกไอคอนเพื่อเพิ่มรูปภาพ</a:t>
             </a:r>
             <a:endParaRPr lang="en-US" dirty="0"/>
           </a:p>
@@ -8120,8 +7777,8 @@
         </p:nvSpPr>
         <p:spPr>
           <a:xfrm>
-            <a:off x="866441" y="3657600"/>
-            <a:ext cx="3814728" cy="1371600"/>
+            <a:off x="1154954" y="3657600"/>
+            <a:ext cx="5084979" cy="1371600"/>
           </a:xfrm>
         </p:spPr>
         <p:txBody>
@@ -8169,30 +7826,30 @@
           <a:p>
             <a:pPr lvl="0"/>
             <a:r>
+              <a:rPr lang="th-TH"/>
+              <a:t>คลิกเพื่อแก้ไขสไตล์ของข้อความต้นแบบ</a:t>
+            </a:r>
+          </a:p>
+        </p:txBody>
+      </p:sp>
+      <p:sp>
+        <p:nvSpPr>
+          <p:cNvPr id="5" name="Date Placeholder 4"/>
+          <p:cNvSpPr>
+            <a:spLocks noGrp="1"/>
+          </p:cNvSpPr>
+          <p:nvPr>
+            <p:ph type="dt" sz="half" idx="10"/>
+          </p:nvPr>
+        </p:nvSpPr>
+        <p:spPr/>
+        <p:txBody>
+          <a:bodyPr/>
+          <a:lstStyle/>
+          <a:p>
+            <a:fld id="{B6D7C078-ECBE-42C1-8A02-606F7E73FAE4}" type="datetime1">
               <a:rPr lang="en-US" smtClean="0"/>
-              <a:t>Click to edit Master text styles</a:t>
-            </a:r>
-          </a:p>
-        </p:txBody>
-      </p:sp>
-      <p:sp>
-        <p:nvSpPr>
-          <p:cNvPr id="5" name="Date Placeholder 4"/>
-          <p:cNvSpPr>
-            <a:spLocks noGrp="1"/>
-          </p:cNvSpPr>
-          <p:nvPr>
-            <p:ph type="dt" sz="half" idx="10"/>
-          </p:nvPr>
-        </p:nvSpPr>
-        <p:spPr/>
-        <p:txBody>
-          <a:bodyPr/>
-          <a:lstStyle/>
-          <a:p>
-            <a:fld id="{4EDCB6CF-EC3C-4E11-84F9-F142FF094A60}" type="datetime1">
-              <a:rPr lang="en-US" smtClean="0"/>
-              <a:t>3/21/2019</a:t>
+              <a:t>3/25/2019</a:t>
             </a:fld>
             <a:endParaRPr lang="en-US" dirty="0"/>
           </a:p>
@@ -8243,13 +7900,14 @@
     </p:spTree>
     <p:extLst>
       <p:ext uri="{BB962C8B-B14F-4D97-AF65-F5344CB8AC3E}">
-        <p14:creationId xmlns:p14="http://schemas.microsoft.com/office/powerpoint/2010/main" val="1735182188"/>
+        <p14:creationId xmlns:p14="http://schemas.microsoft.com/office/powerpoint/2010/main" val="536463595"/>
       </p:ext>
     </p:extLst>
   </p:cSld>
   <p:clrMapOvr>
     <a:masterClrMapping/>
   </p:clrMapOvr>
+  <p:hf hdr="0" ftr="0" dt="0"/>
 </p:sldLayout>
 </file>
 
@@ -8257,7 +7915,7 @@
 <p:sldMaster xmlns:a="http://schemas.openxmlformats.org/drawingml/2006/main" xmlns:r="http://schemas.openxmlformats.org/officeDocument/2006/relationships" xmlns:p="http://schemas.openxmlformats.org/presentationml/2006/main">
   <p:cSld>
     <p:bg>
-      <p:bgRef idx="1001">
+      <p:bgRef idx="1003">
         <a:schemeClr val="bg2"/>
       </p:bgRef>
     </p:bg>
@@ -8275,15 +7933,73 @@
           <a:chExt cx="0" cy="0"/>
         </a:xfrm>
       </p:grpSpPr>
-      <p:sp>
-        <p:nvSpPr>
-          <p:cNvPr id="22" name="Oval 21"/>
+      <p:pic>
+        <p:nvPicPr>
+          <p:cNvPr id="8" name="Picture 7"/>
+          <p:cNvPicPr>
+            <a:picLocks noChangeAspect="1"/>
+          </p:cNvPicPr>
+          <p:nvPr/>
+        </p:nvPicPr>
+        <p:blipFill rotWithShape="1">
+          <a:blip r:embed="rId19">
+            <a:extLst>
+              <a:ext uri="{28A0092B-C50C-407E-A947-70E740481C1C}">
+                <a14:useLocalDpi xmlns:a14="http://schemas.microsoft.com/office/drawing/2010/main" val="0"/>
+              </a:ext>
+            </a:extLst>
+          </a:blip>
+          <a:srcRect l="3613"/>
+          <a:stretch/>
+        </p:blipFill>
+        <p:spPr>
+          <a:xfrm>
+            <a:off x="0" y="2669685"/>
+            <a:ext cx="4037012" cy="4188315"/>
+          </a:xfrm>
+          <a:prstGeom prst="rect">
+            <a:avLst/>
+          </a:prstGeom>
+        </p:spPr>
+      </p:pic>
+      <p:pic>
+        <p:nvPicPr>
+          <p:cNvPr id="7" name="Picture 6"/>
+          <p:cNvPicPr>
+            <a:picLocks noChangeAspect="1"/>
+          </p:cNvPicPr>
+          <p:nvPr/>
+        </p:nvPicPr>
+        <p:blipFill rotWithShape="1">
+          <a:blip r:embed="rId20">
+            <a:extLst>
+              <a:ext uri="{28A0092B-C50C-407E-A947-70E740481C1C}">
+                <a14:useLocalDpi xmlns:a14="http://schemas.microsoft.com/office/drawing/2010/main" val="0"/>
+              </a:ext>
+            </a:extLst>
+          </a:blip>
+          <a:srcRect l="35640"/>
+          <a:stretch/>
+        </p:blipFill>
+        <p:spPr>
+          <a:xfrm>
+            <a:off x="0" y="2892347"/>
+            <a:ext cx="1522412" cy="2365453"/>
+          </a:xfrm>
+          <a:prstGeom prst="rect">
+            <a:avLst/>
+          </a:prstGeom>
+        </p:spPr>
+      </p:pic>
+      <p:sp>
+        <p:nvSpPr>
+          <p:cNvPr id="16" name="Oval 15"/>
           <p:cNvSpPr/>
           <p:nvPr/>
         </p:nvSpPr>
         <p:spPr>
           <a:xfrm>
-            <a:off x="6299432" y="1676400"/>
+            <a:off x="8609012" y="1676400"/>
             <a:ext cx="2819400" cy="2819400"/>
           </a:xfrm>
           <a:prstGeom prst="ellipse">
@@ -8338,53 +8054,84 @@
           </a:fontRef>
         </p:style>
       </p:sp>
-      <p:sp>
-        <p:nvSpPr>
-          <p:cNvPr id="23" name="Oval 22"/>
+      <p:pic>
+        <p:nvPicPr>
+          <p:cNvPr id="9" name="Picture 8"/>
+          <p:cNvPicPr>
+            <a:picLocks noChangeAspect="1"/>
+          </p:cNvPicPr>
+          <p:nvPr/>
+        </p:nvPicPr>
+        <p:blipFill rotWithShape="1">
+          <a:blip r:embed="rId21">
+            <a:extLst>
+              <a:ext uri="{28A0092B-C50C-407E-A947-70E740481C1C}">
+                <a14:useLocalDpi xmlns:a14="http://schemas.microsoft.com/office/drawing/2010/main" val="0"/>
+              </a:ext>
+            </a:extLst>
+          </a:blip>
+          <a:srcRect t="28813"/>
+          <a:stretch/>
+        </p:blipFill>
+        <p:spPr>
+          <a:xfrm>
+            <a:off x="7999412" y="0"/>
+            <a:ext cx="1603387" cy="1141407"/>
+          </a:xfrm>
+          <a:prstGeom prst="rect">
+            <a:avLst/>
+          </a:prstGeom>
+        </p:spPr>
+      </p:pic>
+      <p:pic>
+        <p:nvPicPr>
+          <p:cNvPr id="10" name="Picture 9"/>
+          <p:cNvPicPr>
+            <a:picLocks noChangeAspect="1"/>
+          </p:cNvPicPr>
+          <p:nvPr/>
+        </p:nvPicPr>
+        <p:blipFill rotWithShape="1">
+          <a:blip r:embed="rId22">
+            <a:extLst>
+              <a:ext uri="{28A0092B-C50C-407E-A947-70E740481C1C}">
+                <a14:useLocalDpi xmlns:a14="http://schemas.microsoft.com/office/drawing/2010/main" val="0"/>
+              </a:ext>
+            </a:extLst>
+          </a:blip>
+          <a:srcRect b="23320"/>
+          <a:stretch/>
+        </p:blipFill>
+        <p:spPr>
+          <a:xfrm>
+            <a:off x="8609012" y="6096000"/>
+            <a:ext cx="993734" cy="762000"/>
+          </a:xfrm>
+          <a:prstGeom prst="rect">
+            <a:avLst/>
+          </a:prstGeom>
+        </p:spPr>
+      </p:pic>
+      <p:sp>
+        <p:nvSpPr>
+          <p:cNvPr id="14" name="Rectangle 13"/>
           <p:cNvSpPr/>
           <p:nvPr/>
         </p:nvSpPr>
         <p:spPr>
           <a:xfrm>
-            <a:off x="5689832" y="-457200"/>
-            <a:ext cx="1600200" cy="1600200"/>
-          </a:xfrm>
-          <a:prstGeom prst="ellipse">
+            <a:off x="10437812" y="0"/>
+            <a:ext cx="685800" cy="1143000"/>
+          </a:xfrm>
+          <a:prstGeom prst="rect">
             <a:avLst/>
           </a:prstGeom>
-          <a:gradFill flip="none" rotWithShape="1">
-            <a:gsLst>
-              <a:gs pos="0">
-                <a:schemeClr val="bg2">
-                  <a:lumMod val="40000"/>
-                  <a:lumOff val="60000"/>
-                  <a:alpha val="14000"/>
-                </a:schemeClr>
-              </a:gs>
-              <a:gs pos="73000">
-                <a:schemeClr val="bg2">
-                  <a:lumMod val="40000"/>
-                  <a:lumOff val="60000"/>
-                  <a:alpha val="0"/>
-                </a:schemeClr>
-              </a:gs>
-              <a:gs pos="36000">
-                <a:schemeClr val="bg2">
-                  <a:lumMod val="40000"/>
-                  <a:lumOff val="60000"/>
-                  <a:alpha val="7000"/>
-                </a:schemeClr>
-              </a:gs>
-            </a:gsLst>
-            <a:path path="circle">
-              <a:fillToRect l="50000" t="50000" r="50000" b="50000"/>
-            </a:path>
-            <a:tileRect/>
-          </a:gradFill>
+          <a:solidFill>
+            <a:schemeClr val="accent1"/>
+          </a:solidFill>
           <a:ln>
             <a:noFill/>
           </a:ln>
-          <a:effectLst/>
         </p:spPr>
         <p:style>
           <a:lnRef idx="1">
@@ -8403,282 +8150,57 @@
       </p:sp>
       <p:sp>
         <p:nvSpPr>
-          <p:cNvPr id="24" name="Oval 23"/>
-          <p:cNvSpPr/>
-          <p:nvPr/>
-        </p:nvSpPr>
-        <p:spPr>
-          <a:xfrm>
-            <a:off x="6299432" y="6096000"/>
-            <a:ext cx="990600" cy="990600"/>
-          </a:xfrm>
-          <a:prstGeom prst="ellipse">
-            <a:avLst/>
-          </a:prstGeom>
-          <a:gradFill flip="none" rotWithShape="1">
-            <a:gsLst>
-              <a:gs pos="0">
-                <a:schemeClr val="bg2">
-                  <a:lumMod val="40000"/>
-                  <a:lumOff val="60000"/>
-                  <a:alpha val="14000"/>
-                </a:schemeClr>
-              </a:gs>
-              <a:gs pos="66000">
-                <a:schemeClr val="bg2">
-                  <a:lumMod val="40000"/>
-                  <a:lumOff val="60000"/>
-                  <a:alpha val="0"/>
-                </a:schemeClr>
-              </a:gs>
-              <a:gs pos="36000">
-                <a:schemeClr val="bg2">
-                  <a:lumMod val="40000"/>
-                  <a:lumOff val="60000"/>
-                  <a:alpha val="7000"/>
-                </a:schemeClr>
-              </a:gs>
-            </a:gsLst>
-            <a:path path="circle">
-              <a:fillToRect l="50000" t="50000" r="50000" b="50000"/>
-            </a:path>
-            <a:tileRect/>
-          </a:gradFill>
-          <a:ln>
-            <a:noFill/>
-          </a:ln>
-          <a:effectLst/>
-        </p:spPr>
-        <p:style>
-          <a:lnRef idx="1">
-            <a:schemeClr val="accent1"/>
-          </a:lnRef>
-          <a:fillRef idx="3">
-            <a:schemeClr val="accent1"/>
-          </a:fillRef>
-          <a:effectRef idx="2">
-            <a:schemeClr val="accent1"/>
-          </a:effectRef>
-          <a:fontRef idx="minor">
-            <a:schemeClr val="lt1"/>
-          </a:fontRef>
-        </p:style>
-      </p:sp>
-      <p:sp>
-        <p:nvSpPr>
-          <p:cNvPr id="20" name="Oval 19"/>
-          <p:cNvSpPr/>
-          <p:nvPr/>
-        </p:nvSpPr>
-        <p:spPr>
-          <a:xfrm>
-            <a:off x="-153988" y="2667000"/>
-            <a:ext cx="4191000" cy="4191000"/>
-          </a:xfrm>
-          <a:prstGeom prst="ellipse">
-            <a:avLst/>
-          </a:prstGeom>
-          <a:gradFill flip="none" rotWithShape="1">
-            <a:gsLst>
-              <a:gs pos="0">
-                <a:schemeClr val="bg2">
-                  <a:lumMod val="40000"/>
-                  <a:lumOff val="60000"/>
-                  <a:alpha val="11000"/>
-                </a:schemeClr>
-              </a:gs>
-              <a:gs pos="75000">
-                <a:schemeClr val="bg2">
-                  <a:lumMod val="40000"/>
-                  <a:lumOff val="60000"/>
-                  <a:alpha val="0"/>
-                </a:schemeClr>
-              </a:gs>
-              <a:gs pos="36000">
-                <a:schemeClr val="bg2">
-                  <a:lumMod val="40000"/>
-                  <a:lumOff val="60000"/>
-                  <a:alpha val="10000"/>
-                </a:schemeClr>
-              </a:gs>
-            </a:gsLst>
-            <a:path path="circle">
-              <a:fillToRect l="50000" t="50000" r="50000" b="50000"/>
-            </a:path>
-            <a:tileRect/>
-          </a:gradFill>
-          <a:ln>
-            <a:noFill/>
-          </a:ln>
-          <a:effectLst/>
-        </p:spPr>
-        <p:style>
-          <a:lnRef idx="1">
-            <a:schemeClr val="accent1"/>
-          </a:lnRef>
-          <a:fillRef idx="3">
-            <a:schemeClr val="accent1"/>
-          </a:fillRef>
-          <a:effectRef idx="2">
-            <a:schemeClr val="accent1"/>
-          </a:effectRef>
-          <a:fontRef idx="minor">
-            <a:schemeClr val="lt1"/>
-          </a:fontRef>
-        </p:style>
-      </p:sp>
-      <p:sp>
-        <p:nvSpPr>
-          <p:cNvPr id="21" name="Oval 20"/>
-          <p:cNvSpPr/>
-          <p:nvPr/>
-        </p:nvSpPr>
-        <p:spPr>
-          <a:xfrm>
-            <a:off x="-839788" y="2895600"/>
-            <a:ext cx="2362200" cy="2362200"/>
-          </a:xfrm>
-          <a:prstGeom prst="ellipse">
-            <a:avLst/>
-          </a:prstGeom>
-          <a:gradFill flip="none" rotWithShape="1">
-            <a:gsLst>
-              <a:gs pos="0">
-                <a:schemeClr val="bg2">
-                  <a:lumMod val="40000"/>
-                  <a:lumOff val="60000"/>
-                  <a:alpha val="8000"/>
-                </a:schemeClr>
-              </a:gs>
-              <a:gs pos="72000">
-                <a:schemeClr val="bg2">
-                  <a:lumMod val="40000"/>
-                  <a:lumOff val="60000"/>
-                  <a:alpha val="0"/>
-                </a:schemeClr>
-              </a:gs>
-              <a:gs pos="36000">
-                <a:schemeClr val="bg2">
-                  <a:lumMod val="40000"/>
-                  <a:lumOff val="60000"/>
-                  <a:alpha val="8000"/>
-                </a:schemeClr>
-              </a:gs>
-            </a:gsLst>
-            <a:path path="circle">
-              <a:fillToRect l="50000" t="50000" r="50000" b="50000"/>
-            </a:path>
-            <a:tileRect/>
-          </a:gradFill>
-          <a:ln>
-            <a:noFill/>
-          </a:ln>
-          <a:effectLst/>
-        </p:spPr>
-        <p:style>
-          <a:lnRef idx="1">
-            <a:schemeClr val="accent1"/>
-          </a:lnRef>
-          <a:fillRef idx="3">
-            <a:schemeClr val="accent1"/>
-          </a:fillRef>
-          <a:effectRef idx="2">
-            <a:schemeClr val="accent1"/>
-          </a:effectRef>
-          <a:fontRef idx="minor">
-            <a:schemeClr val="lt1"/>
-          </a:fontRef>
-        </p:style>
-      </p:sp>
-      <p:sp>
-        <p:nvSpPr>
-          <p:cNvPr id="19" name="Rectangle 18"/>
-          <p:cNvSpPr/>
-          <p:nvPr/>
-        </p:nvSpPr>
-        <p:spPr>
-          <a:xfrm>
-            <a:off x="7745644" y="0"/>
-            <a:ext cx="685800" cy="1099458"/>
+          <p:cNvPr id="2" name="Title Placeholder 1"/>
+          <p:cNvSpPr>
+            <a:spLocks noGrp="1"/>
+          </p:cNvSpPr>
+          <p:nvPr>
+            <p:ph type="title"/>
+          </p:nvPr>
+        </p:nvSpPr>
+        <p:spPr>
+          <a:xfrm>
+            <a:off x="646111" y="452718"/>
+            <a:ext cx="9404723" cy="1400530"/>
           </a:xfrm>
           <a:prstGeom prst="rect">
             <a:avLst/>
           </a:prstGeom>
-          <a:solidFill>
-            <a:schemeClr val="accent1"/>
-          </a:solidFill>
-          <a:ln>
-            <a:noFill/>
-          </a:ln>
-        </p:spPr>
-        <p:style>
-          <a:lnRef idx="1">
-            <a:schemeClr val="accent1"/>
-          </a:lnRef>
-          <a:fillRef idx="3">
-            <a:schemeClr val="accent1"/>
-          </a:fillRef>
-          <a:effectRef idx="2">
-            <a:schemeClr val="accent1"/>
-          </a:effectRef>
-          <a:fontRef idx="minor">
-            <a:schemeClr val="lt1"/>
-          </a:fontRef>
-        </p:style>
-      </p:sp>
-      <p:sp>
-        <p:nvSpPr>
-          <p:cNvPr id="2" name="Title Placeholder 1"/>
-          <p:cNvSpPr>
-            <a:spLocks noGrp="1"/>
-          </p:cNvSpPr>
-          <p:nvPr>
-            <p:ph type="title"/>
-          </p:nvPr>
-        </p:nvSpPr>
-        <p:spPr>
-          <a:xfrm>
-            <a:off x="484710" y="452718"/>
-            <a:ext cx="7055380" cy="690282"/>
+        </p:spPr>
+        <p:txBody>
+          <a:bodyPr vert="horz" lIns="91440" tIns="45720" rIns="91440" bIns="45720" rtlCol="0" anchor="t">
+            <a:noAutofit/>
+          </a:bodyPr>
+          <a:lstStyle/>
+          <a:p>
+            <a:r>
+              <a:rPr lang="th-TH"/>
+              <a:t>คลิกเพื่อแก้ไขสไตล์ชื่อเรื่องต้นแบบ</a:t>
+            </a:r>
+            <a:endParaRPr lang="en-US" dirty="0"/>
+          </a:p>
+        </p:txBody>
+      </p:sp>
+      <p:sp>
+        <p:nvSpPr>
+          <p:cNvPr id="3" name="Text Placeholder 2"/>
+          <p:cNvSpPr>
+            <a:spLocks noGrp="1"/>
+          </p:cNvSpPr>
+          <p:nvPr>
+            <p:ph type="body" idx="1"/>
+          </p:nvPr>
+        </p:nvSpPr>
+        <p:spPr>
+          <a:xfrm>
+            <a:off x="1103312" y="2052918"/>
+            <a:ext cx="8946541" cy="4195481"/>
           </a:xfrm>
           <a:prstGeom prst="rect">
             <a:avLst/>
           </a:prstGeom>
         </p:spPr>
         <p:txBody>
-          <a:bodyPr vert="horz" lIns="91440" tIns="45720" rIns="91440" bIns="45720" rtlCol="0" anchor="t">
-            <a:noAutofit/>
-          </a:bodyPr>
-          <a:lstStyle/>
-          <a:p>
-            <a:r>
-              <a:rPr lang="en-US" smtClean="0"/>
-              <a:t>Click to edit Master title style</a:t>
-            </a:r>
-            <a:endParaRPr lang="en-US" dirty="0"/>
-          </a:p>
-        </p:txBody>
-      </p:sp>
-      <p:sp>
-        <p:nvSpPr>
-          <p:cNvPr id="3" name="Text Placeholder 2"/>
-          <p:cNvSpPr>
-            <a:spLocks noGrp="1"/>
-          </p:cNvSpPr>
-          <p:nvPr>
-            <p:ph type="body" idx="1"/>
-          </p:nvPr>
-        </p:nvSpPr>
-        <p:spPr>
-          <a:xfrm>
-            <a:off x="827700" y="1600201"/>
-            <a:ext cx="6711654" cy="4648206"/>
-          </a:xfrm>
-          <a:prstGeom prst="rect">
-            <a:avLst/>
-          </a:prstGeom>
-        </p:spPr>
-        <p:txBody>
           <a:bodyPr vert="horz" lIns="91440" tIns="45720" rIns="91440" bIns="45720" rtlCol="0">
             <a:normAutofit/>
           </a:bodyPr>
@@ -8686,36 +8208,36 @@
           <a:p>
             <a:pPr lvl="0"/>
             <a:r>
-              <a:rPr lang="en-US" dirty="0" smtClean="0"/>
-              <a:t>Click to edit Master text styles</a:t>
+              <a:rPr lang="th-TH"/>
+              <a:t>คลิกเพื่อแก้ไขสไตล์ของข้อความต้นแบบ</a:t>
             </a:r>
           </a:p>
           <a:p>
             <a:pPr lvl="1"/>
             <a:r>
-              <a:rPr lang="en-US" dirty="0" smtClean="0"/>
-              <a:t>Second level</a:t>
+              <a:rPr lang="th-TH"/>
+              <a:t>ระดับที่สอง</a:t>
             </a:r>
           </a:p>
           <a:p>
             <a:pPr lvl="2"/>
             <a:r>
-              <a:rPr lang="en-US" dirty="0" smtClean="0"/>
-              <a:t>Third level</a:t>
+              <a:rPr lang="th-TH"/>
+              <a:t>ระดับที่สาม</a:t>
             </a:r>
           </a:p>
           <a:p>
             <a:pPr lvl="3"/>
             <a:r>
-              <a:rPr lang="en-US" dirty="0" smtClean="0"/>
-              <a:t>Fourth level</a:t>
+              <a:rPr lang="th-TH"/>
+              <a:t>ระดับที่สี่</a:t>
             </a:r>
           </a:p>
           <a:p>
             <a:pPr lvl="4"/>
             <a:r>
-              <a:rPr lang="en-US" dirty="0" smtClean="0"/>
-              <a:t>Fifth level</a:t>
+              <a:rPr lang="th-TH"/>
+              <a:t>ระดับที่ห้า</a:t>
             </a:r>
             <a:endParaRPr lang="en-US" dirty="0"/>
           </a:p>
@@ -8733,8 +8255,8 @@
         </p:nvSpPr>
         <p:spPr>
           <a:xfrm rot="5400000">
-            <a:off x="7494989" y="1828771"/>
-            <a:ext cx="990599" cy="228659"/>
+            <a:off x="10155639" y="1790701"/>
+            <a:ext cx="990599" cy="304799"/>
           </a:xfrm>
           <a:prstGeom prst="rect">
             <a:avLst/>
@@ -8757,7 +8279,7 @@
           <a:p>
             <a:fld id="{B6D7C078-ECBE-42C1-8A02-606F7E73FAE4}" type="datetime1">
               <a:rPr lang="en-US" smtClean="0"/>
-              <a:t>3/21/2019</a:t>
+              <a:t>3/25/2019</a:t>
             </a:fld>
             <a:endParaRPr lang="en-US" dirty="0"/>
           </a:p>
@@ -8775,8 +8297,8 @@
         </p:nvSpPr>
         <p:spPr>
           <a:xfrm rot="5400000">
-            <a:off x="6233335" y="3263371"/>
-            <a:ext cx="3859795" cy="228660"/>
+            <a:off x="8951573" y="3225297"/>
+            <a:ext cx="3859795" cy="304801"/>
           </a:xfrm>
           <a:prstGeom prst="rect">
             <a:avLst/>
@@ -8813,8 +8335,8 @@
         </p:nvSpPr>
         <p:spPr>
           <a:xfrm>
-            <a:off x="7766431" y="295736"/>
-            <a:ext cx="628813" cy="767687"/>
+            <a:off x="10352540" y="295729"/>
+            <a:ext cx="838199" cy="767687"/>
           </a:xfrm>
           <a:prstGeom prst="rect">
             <a:avLst/>
@@ -8824,7 +8346,7 @@
           <a:bodyPr vert="horz" lIns="91440" tIns="45720" rIns="91440" bIns="45720" rtlCol="0" anchor="b"/>
           <a:lstStyle>
             <a:lvl1pPr algn="ctr">
-              <a:defRPr sz="2801" b="0" i="0">
+              <a:defRPr sz="2800" b="0" i="0">
                 <a:solidFill>
                   <a:schemeClr val="tx1">
                     <a:tint val="75000"/>
@@ -8845,38 +8367,30 @@
     </p:spTree>
     <p:extLst>
       <p:ext uri="{BB962C8B-B14F-4D97-AF65-F5344CB8AC3E}">
-        <p14:creationId xmlns:p14="http://schemas.microsoft.com/office/powerpoint/2010/main" val="358665464"/>
+        <p14:creationId xmlns:p14="http://schemas.microsoft.com/office/powerpoint/2010/main" val="2440041118"/>
       </p:ext>
     </p:extLst>
   </p:cSld>
-  <p:clrMap bg1="lt1" tx1="dk1" bg2="lt2" tx2="dk2" accent1="accent1" accent2="accent2" accent3="accent3" accent4="accent4" accent5="accent5" accent6="accent6" hlink="hlink" folHlink="folHlink"/>
+  <p:clrMap bg1="dk1" tx1="lt1" bg2="dk2" tx2="lt2" accent1="accent1" accent2="accent2" accent3="accent3" accent4="accent4" accent5="accent5" accent6="accent6" hlink="hlink" folHlink="folHlink"/>
   <p:sldLayoutIdLst>
-    <p:sldLayoutId id="2147483762" r:id="rId1"/>
-    <p:sldLayoutId id="2147483763" r:id="rId2"/>
-    <p:sldLayoutId id="2147483764" r:id="rId3"/>
-    <p:sldLayoutId id="2147483765" r:id="rId4"/>
-    <p:sldLayoutId id="2147483766" r:id="rId5"/>
-    <p:sldLayoutId id="2147483767" r:id="rId6"/>
-    <p:sldLayoutId id="2147483768" r:id="rId7"/>
-    <p:sldLayoutId id="2147483769" r:id="rId8"/>
-    <p:sldLayoutId id="2147483770" r:id="rId9"/>
-    <p:sldLayoutId id="2147483771" r:id="rId10"/>
-    <p:sldLayoutId id="2147483772" r:id="rId11"/>
-    <p:sldLayoutId id="2147483773" r:id="rId12"/>
-    <p:sldLayoutId id="2147483774" r:id="rId13"/>
-    <p:sldLayoutId id="2147483775" r:id="rId14"/>
-    <p:sldLayoutId id="2147483776" r:id="rId15"/>
-    <p:sldLayoutId id="2147483777" r:id="rId16"/>
-    <p:sldLayoutId id="2147483778" r:id="rId17"/>
-    <p:sldLayoutId id="2147483779" r:id="rId18"/>
+    <p:sldLayoutId id="2147483781" r:id="rId1"/>
+    <p:sldLayoutId id="2147483782" r:id="rId2"/>
+    <p:sldLayoutId id="2147483783" r:id="rId3"/>
+    <p:sldLayoutId id="2147483784" r:id="rId4"/>
+    <p:sldLayoutId id="2147483785" r:id="rId5"/>
+    <p:sldLayoutId id="2147483786" r:id="rId6"/>
+    <p:sldLayoutId id="2147483787" r:id="rId7"/>
+    <p:sldLayoutId id="2147483788" r:id="rId8"/>
+    <p:sldLayoutId id="2147483789" r:id="rId9"/>
+    <p:sldLayoutId id="2147483790" r:id="rId10"/>
+    <p:sldLayoutId id="2147483791" r:id="rId11"/>
+    <p:sldLayoutId id="2147483792" r:id="rId12"/>
+    <p:sldLayoutId id="2147483793" r:id="rId13"/>
+    <p:sldLayoutId id="2147483794" r:id="rId14"/>
+    <p:sldLayoutId id="2147483795" r:id="rId15"/>
+    <p:sldLayoutId id="2147483796" r:id="rId16"/>
+    <p:sldLayoutId id="2147483797" r:id="rId17"/>
   </p:sldLayoutIdLst>
-  <p:timing>
-    <p:tnLst>
-      <p:par>
-        <p:cTn id="1" dur="indefinite" restart="never" nodeType="tmRoot"/>
-      </p:par>
-    </p:tnLst>
-  </p:timing>
   <p:hf hdr="0" ftr="0" dt="0"/>
   <p:txStyles>
     <p:titleStyle>
@@ -8885,7 +8399,7 @@
           <a:spcPct val="0"/>
         </a:spcBef>
         <a:buNone/>
-        <a:defRPr sz="3600" b="0" i="0" kern="1200">
+        <a:defRPr sz="4200" b="0" i="0" kern="1200">
           <a:solidFill>
             <a:schemeClr val="tx2"/>
           </a:solidFill>
@@ -8962,7 +8476,7 @@
         <a:buClr>
           <a:schemeClr val="accent1"/>
         </a:buClr>
-        <a:buSzPct val="60000"/>
+        <a:buSzPct val="80000"/>
         <a:buFont typeface="Wingdings 3" charset="2"/>
         <a:buChar char=""/>
         <a:defRPr sz="2000" b="0" i="0" kern="1200">
@@ -8984,7 +8498,7 @@
         <a:buClr>
           <a:schemeClr val="accent1"/>
         </a:buClr>
-        <a:buSzPct val="60000"/>
+        <a:buSzPct val="80000"/>
         <a:buFont typeface="Wingdings 3" charset="2"/>
         <a:buChar char=""/>
         <a:defRPr sz="1800" b="0" i="0" kern="1200">
@@ -9006,7 +8520,7 @@
         <a:buClr>
           <a:schemeClr val="accent1"/>
         </a:buClr>
-        <a:buSzPct val="60000"/>
+        <a:buSzPct val="80000"/>
         <a:buFont typeface="Wingdings 3" charset="2"/>
         <a:buChar char=""/>
         <a:defRPr sz="1600" b="0" i="0" kern="1200">
@@ -9028,7 +8542,7 @@
         <a:buClr>
           <a:schemeClr val="accent1"/>
         </a:buClr>
-        <a:buSzPct val="60000"/>
+        <a:buSzPct val="80000"/>
         <a:buFont typeface="Wingdings 3" charset="2"/>
         <a:buChar char=""/>
         <a:defRPr sz="1400" b="0" i="0" kern="1200">
@@ -9050,7 +8564,7 @@
         <a:buClr>
           <a:schemeClr val="accent1"/>
         </a:buClr>
-        <a:buSzPct val="60000"/>
+        <a:buSzPct val="80000"/>
         <a:buFont typeface="Wingdings 3" charset="2"/>
         <a:buChar char=""/>
         <a:defRPr sz="1400" b="0" i="0" kern="1200">
@@ -9279,7 +8793,7 @@
         </p:nvSpPr>
         <p:spPr>
           <a:xfrm>
-            <a:off x="866441" y="1447801"/>
+            <a:off x="2390441" y="1447802"/>
             <a:ext cx="6899990" cy="3329581"/>
           </a:xfrm>
         </p:spPr>
@@ -9288,7 +8802,7 @@
           <a:lstStyle/>
           <a:p>
             <a:r>
-              <a:rPr lang="en-US" dirty="0" smtClean="0">
+              <a:rPr lang="en-US" dirty="0">
                 <a:solidFill>
                   <a:schemeClr val="accent6">
                     <a:lumMod val="60000"/>
@@ -9298,22 +8812,13 @@
               </a:rPr>
               <a:t>#08</a:t>
             </a:r>
-            <a:r>
-              <a:rPr lang="en-US" dirty="0" smtClean="0"/>
-              <a:t/>
-            </a:r>
             <a:br>
-              <a:rPr lang="en-US" dirty="0" smtClean="0"/>
+              <a:rPr lang="en-US" dirty="0"/>
             </a:br>
             <a:r>
-              <a:rPr lang="en-US" dirty="0" smtClean="0"/>
-              <a:t>Web </a:t>
-            </a:r>
-            <a:r>
-              <a:rPr lang="en-US" dirty="0" smtClean="0"/>
-              <a:t>Infrastructure</a:t>
-            </a:r>
-            <a:endParaRPr lang="en-US" dirty="0"/>
+              <a:rPr lang="en-US" dirty="0"/>
+              <a:t>Web Infrastructure</a:t>
+            </a:r>
           </a:p>
         </p:txBody>
       </p:sp>
@@ -9329,7 +8834,7 @@
         </p:nvSpPr>
         <p:spPr>
           <a:xfrm>
-            <a:off x="866442" y="4777380"/>
+            <a:off x="2390442" y="4777380"/>
             <a:ext cx="7032958" cy="861420"/>
           </a:xfrm>
         </p:spPr>
@@ -9338,10 +8843,9 @@
           <a:lstStyle/>
           <a:p>
             <a:r>
-              <a:rPr lang="en-US" dirty="0" smtClean="0"/>
+              <a:rPr lang="en-US" dirty="0"/>
               <a:t>Client/Server Computing and Web Technologies</a:t>
             </a:r>
-            <a:endParaRPr lang="en-US" dirty="0"/>
           </a:p>
         </p:txBody>
       </p:sp>
@@ -9378,13 +8882,6 @@
   <p:clrMapOvr>
     <a:masterClrMapping/>
   </p:clrMapOvr>
-  <p:timing>
-    <p:tnLst>
-      <p:par>
-        <p:cTn id="1" dur="indefinite" restart="never" nodeType="tmRoot"/>
-      </p:par>
-    </p:tnLst>
-  </p:timing>
 </p:sld>
 </file>
 
@@ -9421,7 +8918,7 @@
         </p:blipFill>
         <p:spPr>
           <a:xfrm>
-            <a:off x="228601" y="1009650"/>
+            <a:off x="1752602" y="1009650"/>
             <a:ext cx="8598067" cy="4838700"/>
           </a:xfrm>
           <a:prstGeom prst="rect">
@@ -9527,7 +9024,7 @@
         </p:nvSpPr>
         <p:spPr>
           <a:xfrm>
-            <a:off x="827700" y="1473200"/>
+            <a:off x="2351700" y="1473201"/>
             <a:ext cx="5019944" cy="4775207"/>
           </a:xfrm>
           <a:prstGeom prst="rect">
@@ -9566,6 +9063,29 @@
               <a:t>Analytics will provide campaign attribution reporting for AdWords, App Indexing, App Invites, Dynamic Links, and Notifications.</a:t>
             </a:r>
             <a:endParaRPr sz="1800" dirty="0"/>
+          </a:p>
+        </p:txBody>
+      </p:sp>
+      <p:sp>
+        <p:nvSpPr>
+          <p:cNvPr id="2" name="Slide Number Placeholder 1"/>
+          <p:cNvSpPr>
+            <a:spLocks noGrp="1"/>
+          </p:cNvSpPr>
+          <p:nvPr>
+            <p:ph type="sldNum" sz="quarter" idx="12"/>
+          </p:nvPr>
+        </p:nvSpPr>
+        <p:spPr/>
+        <p:txBody>
+          <a:bodyPr/>
+          <a:lstStyle/>
+          <a:p>
+            <a:fld id="{D57F1E4F-1CFF-5643-939E-02111984F565}" type="slidenum">
+              <a:rPr lang="en-US" smtClean="0"/>
+              <a:t>11</a:t>
+            </a:fld>
+            <a:endParaRPr lang="en-US" dirty="0"/>
           </a:p>
         </p:txBody>
       </p:sp>
@@ -9585,7 +9105,7 @@
         </p:blipFill>
         <p:spPr>
           <a:xfrm>
-            <a:off x="5938789" y="2103426"/>
+            <a:off x="7462790" y="2103427"/>
             <a:ext cx="2771775" cy="3228975"/>
           </a:xfrm>
           <a:prstGeom prst="rect">
@@ -9597,29 +9117,6 @@
           </a:ln>
         </p:spPr>
       </p:pic>
-      <p:sp>
-        <p:nvSpPr>
-          <p:cNvPr id="2" name="Slide Number Placeholder 1"/>
-          <p:cNvSpPr>
-            <a:spLocks noGrp="1"/>
-          </p:cNvSpPr>
-          <p:nvPr>
-            <p:ph type="sldNum" sz="quarter" idx="12"/>
-          </p:nvPr>
-        </p:nvSpPr>
-        <p:spPr/>
-        <p:txBody>
-          <a:bodyPr/>
-          <a:lstStyle/>
-          <a:p>
-            <a:fld id="{D57F1E4F-1CFF-5643-939E-02111984F565}" type="slidenum">
-              <a:rPr lang="en-US" smtClean="0"/>
-              <a:t>11</a:t>
-            </a:fld>
-            <a:endParaRPr lang="en-US" dirty="0"/>
-          </a:p>
-        </p:txBody>
-      </p:sp>
     </p:spTree>
     <p:extLst>
       <p:ext uri="{BB962C8B-B14F-4D97-AF65-F5344CB8AC3E}">
@@ -9666,7 +9163,7 @@
         </p:blipFill>
         <p:spPr>
           <a:xfrm>
-            <a:off x="152400" y="1009650"/>
+            <a:off x="1676400" y="1009650"/>
             <a:ext cx="8839200" cy="4419600"/>
           </a:xfrm>
           <a:prstGeom prst="rect">
@@ -9747,7 +9244,7 @@
         </p:blipFill>
         <p:spPr>
           <a:xfrm>
-            <a:off x="152401" y="1009650"/>
+            <a:off x="1676402" y="1009650"/>
             <a:ext cx="8582025" cy="4648200"/>
           </a:xfrm>
           <a:prstGeom prst="rect">
@@ -9775,7 +9272,7 @@
         </p:blipFill>
         <p:spPr>
           <a:xfrm>
-            <a:off x="52389" y="942975"/>
+            <a:off x="1576390" y="942975"/>
             <a:ext cx="9039225" cy="4972050"/>
           </a:xfrm>
           <a:prstGeom prst="rect">
@@ -9856,7 +9353,7 @@
         </p:blipFill>
         <p:spPr>
           <a:xfrm>
-            <a:off x="152400" y="1303162"/>
+            <a:off x="1676400" y="1303163"/>
             <a:ext cx="8839200" cy="4685155"/>
           </a:xfrm>
           <a:prstGeom prst="rect">
@@ -9937,7 +9434,7 @@
         </p:blipFill>
         <p:spPr>
           <a:xfrm>
-            <a:off x="152401" y="1308805"/>
+            <a:off x="1676402" y="1308805"/>
             <a:ext cx="8779593" cy="4838700"/>
           </a:xfrm>
           <a:prstGeom prst="rect">
@@ -10018,7 +9515,7 @@
         </p:blipFill>
         <p:spPr>
           <a:xfrm>
-            <a:off x="152401" y="1286228"/>
+            <a:off x="1676402" y="1286228"/>
             <a:ext cx="8825183" cy="4838700"/>
           </a:xfrm>
           <a:prstGeom prst="rect">
@@ -10099,7 +9596,7 @@
         </p:blipFill>
         <p:spPr>
           <a:xfrm>
-            <a:off x="152401" y="1376540"/>
+            <a:off x="1676402" y="1376541"/>
             <a:ext cx="8659701" cy="4838701"/>
           </a:xfrm>
           <a:prstGeom prst="rect">
@@ -10180,7 +9677,7 @@
         </p:blipFill>
         <p:spPr>
           <a:xfrm>
-            <a:off x="152401" y="1297516"/>
+            <a:off x="1676402" y="1297516"/>
             <a:ext cx="8839201" cy="4808600"/>
           </a:xfrm>
           <a:prstGeom prst="rect">
@@ -10499,13 +9996,6 @@
   <p:clrMapOvr>
     <a:masterClrMapping/>
   </p:clrMapOvr>
-  <p:timing>
-    <p:tnLst>
-      <p:par>
-        <p:cTn id="1" dur="indefinite" restart="never" nodeType="tmRoot"/>
-      </p:par>
-    </p:tnLst>
-  </p:timing>
 </p:sld>
 </file>
 
@@ -10580,20 +10070,12 @@
               <a:buNone/>
             </a:pPr>
             <a:r>
-              <a:rPr lang="en" sz="2800" dirty="0" smtClean="0">
-                <a:solidFill>
-                  <a:schemeClr val="dk1"/>
-                </a:solidFill>
-              </a:rPr>
-              <a:t>Deploy </a:t>
-            </a:r>
-            <a:r>
               <a:rPr lang="en" sz="2800" dirty="0">
                 <a:solidFill>
                   <a:schemeClr val="dk1"/>
                 </a:solidFill>
               </a:rPr>
-              <a:t>React App to Firebase Hosting</a:t>
+              <a:t>Deploy React App to Firebase Hosting</a:t>
             </a:r>
             <a:endParaRPr sz="2800" dirty="0">
               <a:solidFill>
@@ -10730,7 +10212,7 @@
         </p:nvSpPr>
         <p:spPr>
           <a:xfrm>
-            <a:off x="827700" y="1402645"/>
+            <a:off x="2351700" y="1402645"/>
             <a:ext cx="6711654" cy="4648206"/>
           </a:xfrm>
           <a:prstGeom prst="rect">
@@ -10758,19 +10240,14 @@
               <a:rPr lang="en" dirty="0"/>
               <a:t>, along with scalable computing power to run code in response to those events. </a:t>
             </a:r>
-            <a:endParaRPr lang="en" dirty="0" smtClean="0"/>
           </a:p>
           <a:p>
             <a:pPr marL="0" indent="0">
               <a:buNone/>
             </a:pPr>
             <a:r>
-              <a:rPr lang="en" dirty="0" smtClean="0"/>
-              <a:t>Typical </a:t>
-            </a:r>
-            <a:r>
               <a:rPr lang="en" dirty="0"/>
-              <a:t>use cases might fall into these areas:</a:t>
+              <a:t>Typical use cases might fall into these areas:</a:t>
             </a:r>
             <a:endParaRPr dirty="0"/>
           </a:p>
@@ -11110,6 +10587,29 @@
           </a:p>
         </p:txBody>
       </p:sp>
+      <p:sp>
+        <p:nvSpPr>
+          <p:cNvPr id="2" name="Slide Number Placeholder 1"/>
+          <p:cNvSpPr>
+            <a:spLocks noGrp="1"/>
+          </p:cNvSpPr>
+          <p:nvPr>
+            <p:ph type="sldNum" sz="quarter" idx="12"/>
+          </p:nvPr>
+        </p:nvSpPr>
+        <p:spPr/>
+        <p:txBody>
+          <a:bodyPr/>
+          <a:lstStyle/>
+          <a:p>
+            <a:fld id="{D57F1E4F-1CFF-5643-939E-02111984F565}" type="slidenum">
+              <a:rPr lang="en-US" smtClean="0"/>
+              <a:t>3</a:t>
+            </a:fld>
+            <a:endParaRPr lang="en-US" dirty="0"/>
+          </a:p>
+        </p:txBody>
+      </p:sp>
       <p:pic>
         <p:nvPicPr>
           <p:cNvPr id="68" name="Google Shape;68;p15"/>
@@ -11126,7 +10626,7 @@
         </p:blipFill>
         <p:spPr>
           <a:xfrm>
-            <a:off x="5095536" y="2802292"/>
+            <a:off x="6619536" y="2802292"/>
             <a:ext cx="3809200" cy="3524600"/>
           </a:xfrm>
           <a:prstGeom prst="rect">
@@ -11138,29 +10638,6 @@
           </a:ln>
         </p:spPr>
       </p:pic>
-      <p:sp>
-        <p:nvSpPr>
-          <p:cNvPr id="2" name="Slide Number Placeholder 1"/>
-          <p:cNvSpPr>
-            <a:spLocks noGrp="1"/>
-          </p:cNvSpPr>
-          <p:nvPr>
-            <p:ph type="sldNum" sz="quarter" idx="12"/>
-          </p:nvPr>
-        </p:nvSpPr>
-        <p:spPr/>
-        <p:txBody>
-          <a:bodyPr/>
-          <a:lstStyle/>
-          <a:p>
-            <a:fld id="{D57F1E4F-1CFF-5643-939E-02111984F565}" type="slidenum">
-              <a:rPr lang="en-US" smtClean="0"/>
-              <a:t>3</a:t>
-            </a:fld>
-            <a:endParaRPr lang="en-US" dirty="0"/>
-          </a:p>
-        </p:txBody>
-      </p:sp>
     </p:spTree>
     <p:extLst>
       <p:ext uri="{BB962C8B-B14F-4D97-AF65-F5344CB8AC3E}">
@@ -11171,13 +10648,6 @@
   <p:clrMapOvr>
     <a:masterClrMapping/>
   </p:clrMapOvr>
-  <p:timing>
-    <p:tnLst>
-      <p:par>
-        <p:cTn id="1" dur="indefinite" restart="never" nodeType="tmRoot"/>
-      </p:par>
-    </p:tnLst>
-  </p:timing>
 </p:sld>
 </file>
 
@@ -11272,11 +10742,7 @@
             </a:r>
             <a:r>
               <a:rPr lang="en" dirty="0"/>
-              <a:t>; and possibly limited control of select networking components (e.g., host firewalls</a:t>
-            </a:r>
-            <a:r>
-              <a:rPr lang="en" dirty="0" smtClean="0"/>
-              <a:t>)."</a:t>
+              <a:t>; and possibly limited control of select networking components (e.g., host firewalls)."</a:t>
             </a:r>
             <a:endParaRPr dirty="0"/>
           </a:p>
@@ -11315,13 +10781,6 @@
   <p:clrMapOvr>
     <a:masterClrMapping/>
   </p:clrMapOvr>
-  <p:timing>
-    <p:tnLst>
-      <p:par>
-        <p:cTn id="1" dur="indefinite" restart="never" nodeType="tmRoot"/>
-      </p:par>
-    </p:tnLst>
-  </p:timing>
 </p:sld>
 </file>
 
@@ -11813,7 +11272,7 @@
         </p:nvSpPr>
         <p:spPr>
           <a:xfrm>
-            <a:off x="558799" y="1600201"/>
+            <a:off x="2082800" y="1600201"/>
             <a:ext cx="7936089" cy="4648206"/>
           </a:xfrm>
           <a:prstGeom prst="rect">
@@ -11956,7 +11415,7 @@
         </p:blipFill>
         <p:spPr>
           <a:xfrm>
-            <a:off x="0" y="1571205"/>
+            <a:off x="1524000" y="1571206"/>
             <a:ext cx="9144000" cy="3715593"/>
           </a:xfrm>
           <a:prstGeom prst="rect">
@@ -12005,9 +11464,9 @@
 </file>
 
 <file path=ppt/theme/theme1.xml><?xml version="1.0" encoding="utf-8"?>
-<a:theme xmlns:a="http://schemas.openxmlformats.org/drawingml/2006/main" name="Ion">
+<a:theme xmlns:a="http://schemas.openxmlformats.org/drawingml/2006/main" name="อิออน">
   <a:themeElements>
-    <a:clrScheme name="Green Yellow">
+    <a:clrScheme name="อิออน">
       <a:dk1>
         <a:sysClr val="windowText" lastClr="000000"/>
       </a:dk1>
@@ -12015,37 +11474,37 @@
         <a:sysClr val="window" lastClr="FFFFFF"/>
       </a:lt1>
       <a:dk2>
-        <a:srgbClr val="455F51"/>
+        <a:srgbClr val="0E5580"/>
       </a:dk2>
       <a:lt2>
-        <a:srgbClr val="E2DFCC"/>
+        <a:srgbClr val="EBEBEB"/>
       </a:lt2>
       <a:accent1>
-        <a:srgbClr val="99CB38"/>
+        <a:srgbClr val="ACD433"/>
       </a:accent1>
       <a:accent2>
-        <a:srgbClr val="63A537"/>
+        <a:srgbClr val="E6C133"/>
       </a:accent2>
       <a:accent3>
-        <a:srgbClr val="37A76F"/>
+        <a:srgbClr val="EF7A24"/>
       </a:accent3>
       <a:accent4>
-        <a:srgbClr val="44C1A3"/>
+        <a:srgbClr val="5AA0F5"/>
       </a:accent4>
       <a:accent5>
-        <a:srgbClr val="4EB3CF"/>
+        <a:srgbClr val="75CEEC"/>
       </a:accent5>
       <a:accent6>
-        <a:srgbClr val="51C3F9"/>
+        <a:srgbClr val="65D6A0"/>
       </a:accent6>
       <a:hlink>
-        <a:srgbClr val="EE7B08"/>
+        <a:srgbClr val="C4E46E"/>
       </a:hlink>
       <a:folHlink>
-        <a:srgbClr val="977B2D"/>
+        <a:srgbClr val="BDE0FB"/>
       </a:folHlink>
     </a:clrScheme>
-    <a:fontScheme name="Ion">
+    <a:fontScheme name="อิออน">
       <a:majorFont>
         <a:latin typeface="Century Gothic" panose="020B0502020202020204"/>
         <a:ea typeface=""/>
@@ -12117,7 +11576,7 @@
         <a:font script="Geor" typeface="Sylfaen"/>
       </a:minorFont>
     </a:fontScheme>
-    <a:fmtScheme name="Ion">
+    <a:fmtScheme name="อิออน">
       <a:fillStyleLst>
         <a:solidFill>
           <a:schemeClr val="phClr"/>
@@ -12226,7 +11685,6 @@
             </a:gs>
             <a:gs pos="100000">
               <a:schemeClr val="phClr">
-                <a:tint val="100000"/>
                 <a:shade val="62000"/>
                 <a:hueMod val="100000"/>
                 <a:satMod val="134000"/>
